--- a/doc/3주차 스터디 NODE.pptx
+++ b/doc/3주차 스터디 NODE.pptx
@@ -215,7 +215,7 @@
           <a:p>
             <a:fld id="{0AE2D704-4531-4D9B-8AE3-D3A27B0918BF}" type="datetimeFigureOut">
               <a:rPr lang="ko-KR" altLang="en-US" smtClean="0"/>
-              <a:t>2019-07-23</a:t>
+              <a:t>2019-07-24</a:t>
             </a:fld>
             <a:endParaRPr lang="ko-KR" altLang="en-US"/>
           </a:p>
@@ -279,38 +279,37 @@
           <a:p>
             <a:pPr lvl="0"/>
             <a:r>
-              <a:rPr lang="ko-KR" altLang="en-US" smtClean="0"/>
+              <a:rPr lang="ko-KR" altLang="en-US"/>
               <a:t>마스터 텍스트 스타일을 편집합니다</a:t>
             </a:r>
           </a:p>
           <a:p>
             <a:pPr lvl="1"/>
             <a:r>
-              <a:rPr lang="ko-KR" altLang="en-US" smtClean="0"/>
+              <a:rPr lang="ko-KR" altLang="en-US"/>
               <a:t>둘째 수준</a:t>
             </a:r>
           </a:p>
           <a:p>
             <a:pPr lvl="2"/>
             <a:r>
-              <a:rPr lang="ko-KR" altLang="en-US" smtClean="0"/>
+              <a:rPr lang="ko-KR" altLang="en-US"/>
               <a:t>셋째 수준</a:t>
             </a:r>
           </a:p>
           <a:p>
             <a:pPr lvl="3"/>
             <a:r>
-              <a:rPr lang="ko-KR" altLang="en-US" smtClean="0"/>
+              <a:rPr lang="ko-KR" altLang="en-US"/>
               <a:t>넷째 수준</a:t>
             </a:r>
           </a:p>
           <a:p>
             <a:pPr lvl="4"/>
             <a:r>
-              <a:rPr lang="ko-KR" altLang="en-US" smtClean="0"/>
+              <a:rPr lang="ko-KR" altLang="en-US"/>
               <a:t>다섯째 수준</a:t>
             </a:r>
-            <a:endParaRPr lang="ko-KR" altLang="en-US"/>
           </a:p>
         </p:txBody>
       </p:sp>
@@ -521,10 +520,9 @@
           <a:lstStyle/>
           <a:p>
             <a:r>
-              <a:rPr lang="ko-KR" altLang="en-US" smtClean="0"/>
+              <a:rPr lang="ko-KR" altLang="en-US"/>
               <a:t>마스터 제목 스타일 편집</a:t>
             </a:r>
-            <a:endParaRPr lang="ko-KR" altLang="en-US"/>
           </a:p>
         </p:txBody>
       </p:sp>
@@ -640,10 +638,9 @@
           </a:lstStyle>
           <a:p>
             <a:r>
-              <a:rPr lang="ko-KR" altLang="en-US" smtClean="0"/>
+              <a:rPr lang="ko-KR" altLang="en-US"/>
               <a:t>마스터 부제목 스타일 편집</a:t>
             </a:r>
-            <a:endParaRPr lang="ko-KR" altLang="en-US"/>
           </a:p>
         </p:txBody>
       </p:sp>
@@ -665,7 +662,7 @@
             <a:fld id="{CD6DEE77-0C1D-458A-9EBD-426B5B8D0F81}" type="datetimeFigureOut">
               <a:rPr lang="ko-KR" altLang="en-US" smtClean="0"/>
               <a:pPr/>
-              <a:t>2019-07-23</a:t>
+              <a:t>2019-07-24</a:t>
             </a:fld>
             <a:endParaRPr lang="ko-KR" altLang="en-US"/>
           </a:p>
@@ -755,10 +752,9 @@
           <a:lstStyle/>
           <a:p>
             <a:r>
-              <a:rPr lang="ko-KR" altLang="en-US" smtClean="0"/>
+              <a:rPr lang="ko-KR" altLang="en-US"/>
               <a:t>마스터 제목 스타일 편집</a:t>
             </a:r>
-            <a:endParaRPr lang="ko-KR" altLang="en-US"/>
           </a:p>
         </p:txBody>
       </p:sp>
@@ -779,38 +775,37 @@
           <a:p>
             <a:pPr lvl="0"/>
             <a:r>
-              <a:rPr lang="ko-KR" altLang="en-US" smtClean="0"/>
+              <a:rPr lang="ko-KR" altLang="en-US"/>
               <a:t>마스터 텍스트 스타일을 편집합니다</a:t>
             </a:r>
           </a:p>
           <a:p>
             <a:pPr lvl="1"/>
             <a:r>
-              <a:rPr lang="ko-KR" altLang="en-US" smtClean="0"/>
+              <a:rPr lang="ko-KR" altLang="en-US"/>
               <a:t>둘째 수준</a:t>
             </a:r>
           </a:p>
           <a:p>
             <a:pPr lvl="2"/>
             <a:r>
-              <a:rPr lang="ko-KR" altLang="en-US" smtClean="0"/>
+              <a:rPr lang="ko-KR" altLang="en-US"/>
               <a:t>셋째 수준</a:t>
             </a:r>
           </a:p>
           <a:p>
             <a:pPr lvl="3"/>
             <a:r>
-              <a:rPr lang="ko-KR" altLang="en-US" smtClean="0"/>
+              <a:rPr lang="ko-KR" altLang="en-US"/>
               <a:t>넷째 수준</a:t>
             </a:r>
           </a:p>
           <a:p>
             <a:pPr lvl="4"/>
             <a:r>
-              <a:rPr lang="ko-KR" altLang="en-US" smtClean="0"/>
+              <a:rPr lang="ko-KR" altLang="en-US"/>
               <a:t>다섯째 수준</a:t>
             </a:r>
-            <a:endParaRPr lang="ko-KR" altLang="en-US"/>
           </a:p>
         </p:txBody>
       </p:sp>
@@ -832,7 +827,7 @@
             <a:fld id="{CD6DEE77-0C1D-458A-9EBD-426B5B8D0F81}" type="datetimeFigureOut">
               <a:rPr lang="ko-KR" altLang="en-US" smtClean="0"/>
               <a:pPr/>
-              <a:t>2019-07-23</a:t>
+              <a:t>2019-07-24</a:t>
             </a:fld>
             <a:endParaRPr lang="ko-KR" altLang="en-US"/>
           </a:p>
@@ -927,10 +922,9 @@
           <a:lstStyle/>
           <a:p>
             <a:r>
-              <a:rPr lang="ko-KR" altLang="en-US" smtClean="0"/>
+              <a:rPr lang="ko-KR" altLang="en-US"/>
               <a:t>마스터 제목 스타일 편집</a:t>
             </a:r>
-            <a:endParaRPr lang="ko-KR" altLang="en-US"/>
           </a:p>
         </p:txBody>
       </p:sp>
@@ -956,38 +950,37 @@
           <a:p>
             <a:pPr lvl="0"/>
             <a:r>
-              <a:rPr lang="ko-KR" altLang="en-US" smtClean="0"/>
+              <a:rPr lang="ko-KR" altLang="en-US"/>
               <a:t>마스터 텍스트 스타일을 편집합니다</a:t>
             </a:r>
           </a:p>
           <a:p>
             <a:pPr lvl="1"/>
             <a:r>
-              <a:rPr lang="ko-KR" altLang="en-US" smtClean="0"/>
+              <a:rPr lang="ko-KR" altLang="en-US"/>
               <a:t>둘째 수준</a:t>
             </a:r>
           </a:p>
           <a:p>
             <a:pPr lvl="2"/>
             <a:r>
-              <a:rPr lang="ko-KR" altLang="en-US" smtClean="0"/>
+              <a:rPr lang="ko-KR" altLang="en-US"/>
               <a:t>셋째 수준</a:t>
             </a:r>
           </a:p>
           <a:p>
             <a:pPr lvl="3"/>
             <a:r>
-              <a:rPr lang="ko-KR" altLang="en-US" smtClean="0"/>
+              <a:rPr lang="ko-KR" altLang="en-US"/>
               <a:t>넷째 수준</a:t>
             </a:r>
           </a:p>
           <a:p>
             <a:pPr lvl="4"/>
             <a:r>
-              <a:rPr lang="ko-KR" altLang="en-US" smtClean="0"/>
+              <a:rPr lang="ko-KR" altLang="en-US"/>
               <a:t>다섯째 수준</a:t>
             </a:r>
-            <a:endParaRPr lang="ko-KR" altLang="en-US"/>
           </a:p>
         </p:txBody>
       </p:sp>
@@ -1009,7 +1002,7 @@
             <a:fld id="{CD6DEE77-0C1D-458A-9EBD-426B5B8D0F81}" type="datetimeFigureOut">
               <a:rPr lang="ko-KR" altLang="en-US" smtClean="0"/>
               <a:pPr/>
-              <a:t>2019-07-23</a:t>
+              <a:t>2019-07-24</a:t>
             </a:fld>
             <a:endParaRPr lang="ko-KR" altLang="en-US"/>
           </a:p>
@@ -1107,10 +1100,9 @@
           <a:lstStyle/>
           <a:p>
             <a:r>
-              <a:rPr lang="ko-KR" altLang="en-US" smtClean="0"/>
+              <a:rPr lang="ko-KR" altLang="en-US"/>
               <a:t>마스터 제목 스타일 편집</a:t>
             </a:r>
-            <a:endParaRPr lang="ko-KR" altLang="en-US"/>
           </a:p>
         </p:txBody>
       </p:sp>
@@ -1131,38 +1123,37 @@
           <a:p>
             <a:pPr lvl="0"/>
             <a:r>
-              <a:rPr lang="ko-KR" altLang="en-US" dirty="0" smtClean="0"/>
+              <a:rPr lang="ko-KR" altLang="en-US" dirty="0"/>
               <a:t>마스터 텍스트 스타일을 편집합니다</a:t>
             </a:r>
           </a:p>
           <a:p>
             <a:pPr lvl="1"/>
             <a:r>
-              <a:rPr lang="ko-KR" altLang="en-US" dirty="0" smtClean="0"/>
+              <a:rPr lang="ko-KR" altLang="en-US" dirty="0"/>
               <a:t>둘째 수준</a:t>
             </a:r>
           </a:p>
           <a:p>
             <a:pPr lvl="2"/>
             <a:r>
-              <a:rPr lang="ko-KR" altLang="en-US" dirty="0" smtClean="0"/>
+              <a:rPr lang="ko-KR" altLang="en-US" dirty="0"/>
               <a:t>셋째 수준</a:t>
             </a:r>
           </a:p>
           <a:p>
             <a:pPr lvl="3"/>
             <a:r>
-              <a:rPr lang="ko-KR" altLang="en-US" dirty="0" smtClean="0"/>
+              <a:rPr lang="ko-KR" altLang="en-US" dirty="0"/>
               <a:t>넷째 수준</a:t>
             </a:r>
           </a:p>
           <a:p>
             <a:pPr lvl="4"/>
             <a:r>
-              <a:rPr lang="ko-KR" altLang="en-US" dirty="0" smtClean="0"/>
+              <a:rPr lang="ko-KR" altLang="en-US" dirty="0"/>
               <a:t>다섯째 수준</a:t>
             </a:r>
-            <a:endParaRPr lang="ko-KR" altLang="en-US" dirty="0"/>
           </a:p>
         </p:txBody>
       </p:sp>
@@ -1184,7 +1175,7 @@
             <a:fld id="{CD6DEE77-0C1D-458A-9EBD-426B5B8D0F81}" type="datetimeFigureOut">
               <a:rPr lang="ko-KR" altLang="en-US" smtClean="0"/>
               <a:pPr/>
-              <a:t>2019-07-23</a:t>
+              <a:t>2019-07-24</a:t>
             </a:fld>
             <a:endParaRPr lang="ko-KR" altLang="en-US"/>
           </a:p>
@@ -1283,10 +1274,9 @@
           </a:lstStyle>
           <a:p>
             <a:r>
-              <a:rPr lang="ko-KR" altLang="en-US" smtClean="0"/>
+              <a:rPr lang="ko-KR" altLang="en-US"/>
               <a:t>마스터 제목 스타일 편집</a:t>
             </a:r>
-            <a:endParaRPr lang="ko-KR" altLang="en-US"/>
           </a:p>
         </p:txBody>
       </p:sp>
@@ -1403,7 +1393,7 @@
           <a:p>
             <a:pPr lvl="0"/>
             <a:r>
-              <a:rPr lang="ko-KR" altLang="en-US" smtClean="0"/>
+              <a:rPr lang="ko-KR" altLang="en-US"/>
               <a:t>마스터 텍스트 스타일을 편집합니다</a:t>
             </a:r>
           </a:p>
@@ -1427,7 +1417,7 @@
             <a:fld id="{CD6DEE77-0C1D-458A-9EBD-426B5B8D0F81}" type="datetimeFigureOut">
               <a:rPr lang="ko-KR" altLang="en-US" smtClean="0"/>
               <a:pPr/>
-              <a:t>2019-07-23</a:t>
+              <a:t>2019-07-24</a:t>
             </a:fld>
             <a:endParaRPr lang="ko-KR" altLang="en-US"/>
           </a:p>
@@ -1517,10 +1507,9 @@
           <a:lstStyle/>
           <a:p>
             <a:r>
-              <a:rPr lang="ko-KR" altLang="en-US" smtClean="0"/>
+              <a:rPr lang="ko-KR" altLang="en-US"/>
               <a:t>마스터 제목 스타일 편집</a:t>
             </a:r>
-            <a:endParaRPr lang="ko-KR" altLang="en-US"/>
           </a:p>
         </p:txBody>
       </p:sp>
@@ -1574,38 +1563,37 @@
           <a:p>
             <a:pPr lvl="0"/>
             <a:r>
-              <a:rPr lang="ko-KR" altLang="en-US" smtClean="0"/>
+              <a:rPr lang="ko-KR" altLang="en-US"/>
               <a:t>마스터 텍스트 스타일을 편집합니다</a:t>
             </a:r>
           </a:p>
           <a:p>
             <a:pPr lvl="1"/>
             <a:r>
-              <a:rPr lang="ko-KR" altLang="en-US" smtClean="0"/>
+              <a:rPr lang="ko-KR" altLang="en-US"/>
               <a:t>둘째 수준</a:t>
             </a:r>
           </a:p>
           <a:p>
             <a:pPr lvl="2"/>
             <a:r>
-              <a:rPr lang="ko-KR" altLang="en-US" smtClean="0"/>
+              <a:rPr lang="ko-KR" altLang="en-US"/>
               <a:t>셋째 수준</a:t>
             </a:r>
           </a:p>
           <a:p>
             <a:pPr lvl="3"/>
             <a:r>
-              <a:rPr lang="ko-KR" altLang="en-US" smtClean="0"/>
+              <a:rPr lang="ko-KR" altLang="en-US"/>
               <a:t>넷째 수준</a:t>
             </a:r>
           </a:p>
           <a:p>
             <a:pPr lvl="4"/>
             <a:r>
-              <a:rPr lang="ko-KR" altLang="en-US" smtClean="0"/>
+              <a:rPr lang="ko-KR" altLang="en-US"/>
               <a:t>다섯째 수준</a:t>
             </a:r>
-            <a:endParaRPr lang="ko-KR" altLang="en-US"/>
           </a:p>
         </p:txBody>
       </p:sp>
@@ -1659,38 +1647,37 @@
           <a:p>
             <a:pPr lvl="0"/>
             <a:r>
-              <a:rPr lang="ko-KR" altLang="en-US" smtClean="0"/>
+              <a:rPr lang="ko-KR" altLang="en-US"/>
               <a:t>마스터 텍스트 스타일을 편집합니다</a:t>
             </a:r>
           </a:p>
           <a:p>
             <a:pPr lvl="1"/>
             <a:r>
-              <a:rPr lang="ko-KR" altLang="en-US" smtClean="0"/>
+              <a:rPr lang="ko-KR" altLang="en-US"/>
               <a:t>둘째 수준</a:t>
             </a:r>
           </a:p>
           <a:p>
             <a:pPr lvl="2"/>
             <a:r>
-              <a:rPr lang="ko-KR" altLang="en-US" smtClean="0"/>
+              <a:rPr lang="ko-KR" altLang="en-US"/>
               <a:t>셋째 수준</a:t>
             </a:r>
           </a:p>
           <a:p>
             <a:pPr lvl="3"/>
             <a:r>
-              <a:rPr lang="ko-KR" altLang="en-US" smtClean="0"/>
+              <a:rPr lang="ko-KR" altLang="en-US"/>
               <a:t>넷째 수준</a:t>
             </a:r>
           </a:p>
           <a:p>
             <a:pPr lvl="4"/>
             <a:r>
-              <a:rPr lang="ko-KR" altLang="en-US" smtClean="0"/>
+              <a:rPr lang="ko-KR" altLang="en-US"/>
               <a:t>다섯째 수준</a:t>
             </a:r>
-            <a:endParaRPr lang="ko-KR" altLang="en-US"/>
           </a:p>
         </p:txBody>
       </p:sp>
@@ -1712,7 +1699,7 @@
             <a:fld id="{CD6DEE77-0C1D-458A-9EBD-426B5B8D0F81}" type="datetimeFigureOut">
               <a:rPr lang="ko-KR" altLang="en-US" smtClean="0"/>
               <a:pPr/>
-              <a:t>2019-07-23</a:t>
+              <a:t>2019-07-24</a:t>
             </a:fld>
             <a:endParaRPr lang="ko-KR" altLang="en-US"/>
           </a:p>
@@ -1806,10 +1793,9 @@
           </a:lstStyle>
           <a:p>
             <a:r>
-              <a:rPr lang="ko-KR" altLang="en-US" smtClean="0"/>
+              <a:rPr lang="ko-KR" altLang="en-US"/>
               <a:t>마스터 제목 스타일 편집</a:t>
             </a:r>
-            <a:endParaRPr lang="ko-KR" altLang="en-US"/>
           </a:p>
         </p:txBody>
       </p:sp>
@@ -1872,7 +1858,7 @@
           <a:p>
             <a:pPr lvl="0"/>
             <a:r>
-              <a:rPr lang="ko-KR" altLang="en-US" smtClean="0"/>
+              <a:rPr lang="ko-KR" altLang="en-US"/>
               <a:t>마스터 텍스트 스타일을 편집합니다</a:t>
             </a:r>
           </a:p>
@@ -1928,38 +1914,37 @@
           <a:p>
             <a:pPr lvl="0"/>
             <a:r>
-              <a:rPr lang="ko-KR" altLang="en-US" smtClean="0"/>
+              <a:rPr lang="ko-KR" altLang="en-US"/>
               <a:t>마스터 텍스트 스타일을 편집합니다</a:t>
             </a:r>
           </a:p>
           <a:p>
             <a:pPr lvl="1"/>
             <a:r>
-              <a:rPr lang="ko-KR" altLang="en-US" smtClean="0"/>
+              <a:rPr lang="ko-KR" altLang="en-US"/>
               <a:t>둘째 수준</a:t>
             </a:r>
           </a:p>
           <a:p>
             <a:pPr lvl="2"/>
             <a:r>
-              <a:rPr lang="ko-KR" altLang="en-US" smtClean="0"/>
+              <a:rPr lang="ko-KR" altLang="en-US"/>
               <a:t>셋째 수준</a:t>
             </a:r>
           </a:p>
           <a:p>
             <a:pPr lvl="3"/>
             <a:r>
-              <a:rPr lang="ko-KR" altLang="en-US" smtClean="0"/>
+              <a:rPr lang="ko-KR" altLang="en-US"/>
               <a:t>넷째 수준</a:t>
             </a:r>
           </a:p>
           <a:p>
             <a:pPr lvl="4"/>
             <a:r>
-              <a:rPr lang="ko-KR" altLang="en-US" smtClean="0"/>
+              <a:rPr lang="ko-KR" altLang="en-US"/>
               <a:t>다섯째 수준</a:t>
             </a:r>
-            <a:endParaRPr lang="ko-KR" altLang="en-US"/>
           </a:p>
         </p:txBody>
       </p:sp>
@@ -2022,7 +2007,7 @@
           <a:p>
             <a:pPr lvl="0"/>
             <a:r>
-              <a:rPr lang="ko-KR" altLang="en-US" smtClean="0"/>
+              <a:rPr lang="ko-KR" altLang="en-US"/>
               <a:t>마스터 텍스트 스타일을 편집합니다</a:t>
             </a:r>
           </a:p>
@@ -2078,38 +2063,37 @@
           <a:p>
             <a:pPr lvl="0"/>
             <a:r>
-              <a:rPr lang="ko-KR" altLang="en-US" smtClean="0"/>
+              <a:rPr lang="ko-KR" altLang="en-US"/>
               <a:t>마스터 텍스트 스타일을 편집합니다</a:t>
             </a:r>
           </a:p>
           <a:p>
             <a:pPr lvl="1"/>
             <a:r>
-              <a:rPr lang="ko-KR" altLang="en-US" smtClean="0"/>
+              <a:rPr lang="ko-KR" altLang="en-US"/>
               <a:t>둘째 수준</a:t>
             </a:r>
           </a:p>
           <a:p>
             <a:pPr lvl="2"/>
             <a:r>
-              <a:rPr lang="ko-KR" altLang="en-US" smtClean="0"/>
+              <a:rPr lang="ko-KR" altLang="en-US"/>
               <a:t>셋째 수준</a:t>
             </a:r>
           </a:p>
           <a:p>
             <a:pPr lvl="3"/>
             <a:r>
-              <a:rPr lang="ko-KR" altLang="en-US" smtClean="0"/>
+              <a:rPr lang="ko-KR" altLang="en-US"/>
               <a:t>넷째 수준</a:t>
             </a:r>
           </a:p>
           <a:p>
             <a:pPr lvl="4"/>
             <a:r>
-              <a:rPr lang="ko-KR" altLang="en-US" smtClean="0"/>
+              <a:rPr lang="ko-KR" altLang="en-US"/>
               <a:t>다섯째 수준</a:t>
             </a:r>
-            <a:endParaRPr lang="ko-KR" altLang="en-US"/>
           </a:p>
         </p:txBody>
       </p:sp>
@@ -2131,7 +2115,7 @@
             <a:fld id="{CD6DEE77-0C1D-458A-9EBD-426B5B8D0F81}" type="datetimeFigureOut">
               <a:rPr lang="ko-KR" altLang="en-US" smtClean="0"/>
               <a:pPr/>
-              <a:t>2019-07-23</a:t>
+              <a:t>2019-07-24</a:t>
             </a:fld>
             <a:endParaRPr lang="ko-KR" altLang="en-US"/>
           </a:p>
@@ -2221,10 +2205,9 @@
           <a:lstStyle/>
           <a:p>
             <a:r>
-              <a:rPr lang="ko-KR" altLang="en-US" smtClean="0"/>
+              <a:rPr lang="ko-KR" altLang="en-US"/>
               <a:t>마스터 제목 스타일 편집</a:t>
             </a:r>
-            <a:endParaRPr lang="ko-KR" altLang="en-US"/>
           </a:p>
         </p:txBody>
       </p:sp>
@@ -2246,7 +2229,7 @@
             <a:fld id="{CD6DEE77-0C1D-458A-9EBD-426B5B8D0F81}" type="datetimeFigureOut">
               <a:rPr lang="ko-KR" altLang="en-US" smtClean="0"/>
               <a:pPr/>
-              <a:t>2019-07-23</a:t>
+              <a:t>2019-07-24</a:t>
             </a:fld>
             <a:endParaRPr lang="ko-KR" altLang="en-US"/>
           </a:p>
@@ -2338,7 +2321,7 @@
             <a:fld id="{CD6DEE77-0C1D-458A-9EBD-426B5B8D0F81}" type="datetimeFigureOut">
               <a:rPr lang="ko-KR" altLang="en-US" smtClean="0"/>
               <a:pPr/>
-              <a:t>2019-07-23</a:t>
+              <a:t>2019-07-24</a:t>
             </a:fld>
             <a:endParaRPr lang="ko-KR" altLang="en-US"/>
           </a:p>
@@ -2437,10 +2420,9 @@
           </a:lstStyle>
           <a:p>
             <a:r>
-              <a:rPr lang="ko-KR" altLang="en-US" smtClean="0"/>
+              <a:rPr lang="ko-KR" altLang="en-US"/>
               <a:t>마스터 제목 스타일 편집</a:t>
             </a:r>
-            <a:endParaRPr lang="ko-KR" altLang="en-US"/>
           </a:p>
         </p:txBody>
       </p:sp>
@@ -2494,38 +2476,37 @@
           <a:p>
             <a:pPr lvl="0"/>
             <a:r>
-              <a:rPr lang="ko-KR" altLang="en-US" smtClean="0"/>
+              <a:rPr lang="ko-KR" altLang="en-US"/>
               <a:t>마스터 텍스트 스타일을 편집합니다</a:t>
             </a:r>
           </a:p>
           <a:p>
             <a:pPr lvl="1"/>
             <a:r>
-              <a:rPr lang="ko-KR" altLang="en-US" smtClean="0"/>
+              <a:rPr lang="ko-KR" altLang="en-US"/>
               <a:t>둘째 수준</a:t>
             </a:r>
           </a:p>
           <a:p>
             <a:pPr lvl="2"/>
             <a:r>
-              <a:rPr lang="ko-KR" altLang="en-US" smtClean="0"/>
+              <a:rPr lang="ko-KR" altLang="en-US"/>
               <a:t>셋째 수준</a:t>
             </a:r>
           </a:p>
           <a:p>
             <a:pPr lvl="3"/>
             <a:r>
-              <a:rPr lang="ko-KR" altLang="en-US" smtClean="0"/>
+              <a:rPr lang="ko-KR" altLang="en-US"/>
               <a:t>넷째 수준</a:t>
             </a:r>
           </a:p>
           <a:p>
             <a:pPr lvl="4"/>
             <a:r>
-              <a:rPr lang="ko-KR" altLang="en-US" smtClean="0"/>
+              <a:rPr lang="ko-KR" altLang="en-US"/>
               <a:t>다섯째 수준</a:t>
             </a:r>
-            <a:endParaRPr lang="ko-KR" altLang="en-US"/>
           </a:p>
         </p:txBody>
       </p:sp>
@@ -2588,7 +2569,7 @@
           <a:p>
             <a:pPr lvl="0"/>
             <a:r>
-              <a:rPr lang="ko-KR" altLang="en-US" smtClean="0"/>
+              <a:rPr lang="ko-KR" altLang="en-US"/>
               <a:t>마스터 텍스트 스타일을 편집합니다</a:t>
             </a:r>
           </a:p>
@@ -2612,7 +2593,7 @@
             <a:fld id="{CD6DEE77-0C1D-458A-9EBD-426B5B8D0F81}" type="datetimeFigureOut">
               <a:rPr lang="ko-KR" altLang="en-US" smtClean="0"/>
               <a:pPr/>
-              <a:t>2019-07-23</a:t>
+              <a:t>2019-07-24</a:t>
             </a:fld>
             <a:endParaRPr lang="ko-KR" altLang="en-US"/>
           </a:p>
@@ -2711,10 +2692,9 @@
           </a:lstStyle>
           <a:p>
             <a:r>
-              <a:rPr lang="ko-KR" altLang="en-US" smtClean="0"/>
+              <a:rPr lang="ko-KR" altLang="en-US"/>
               <a:t>마스터 제목 스타일 편집</a:t>
             </a:r>
-            <a:endParaRPr lang="ko-KR" altLang="en-US"/>
           </a:p>
         </p:txBody>
       </p:sp>
@@ -2838,7 +2818,7 @@
           <a:p>
             <a:pPr lvl="0"/>
             <a:r>
-              <a:rPr lang="ko-KR" altLang="en-US" smtClean="0"/>
+              <a:rPr lang="ko-KR" altLang="en-US"/>
               <a:t>마스터 텍스트 스타일을 편집합니다</a:t>
             </a:r>
           </a:p>
@@ -2862,7 +2842,7 @@
             <a:fld id="{CD6DEE77-0C1D-458A-9EBD-426B5B8D0F81}" type="datetimeFigureOut">
               <a:rPr lang="ko-KR" altLang="en-US" smtClean="0"/>
               <a:pPr/>
-              <a:t>2019-07-23</a:t>
+              <a:t>2019-07-24</a:t>
             </a:fld>
             <a:endParaRPr lang="ko-KR" altLang="en-US"/>
           </a:p>
@@ -2967,10 +2947,9 @@
           <a:lstStyle/>
           <a:p>
             <a:r>
-              <a:rPr lang="ko-KR" altLang="en-US" smtClean="0"/>
+              <a:rPr lang="ko-KR" altLang="en-US"/>
               <a:t>마스터 제목 스타일 편집</a:t>
             </a:r>
-            <a:endParaRPr lang="ko-KR" altLang="en-US"/>
           </a:p>
         </p:txBody>
       </p:sp>
@@ -3001,38 +2980,37 @@
           <a:p>
             <a:pPr lvl="0"/>
             <a:r>
-              <a:rPr lang="ko-KR" altLang="en-US" smtClean="0"/>
+              <a:rPr lang="ko-KR" altLang="en-US"/>
               <a:t>마스터 텍스트 스타일을 편집합니다</a:t>
             </a:r>
           </a:p>
           <a:p>
             <a:pPr lvl="1"/>
             <a:r>
-              <a:rPr lang="ko-KR" altLang="en-US" smtClean="0"/>
+              <a:rPr lang="ko-KR" altLang="en-US"/>
               <a:t>둘째 수준</a:t>
             </a:r>
           </a:p>
           <a:p>
             <a:pPr lvl="2"/>
             <a:r>
-              <a:rPr lang="ko-KR" altLang="en-US" smtClean="0"/>
+              <a:rPr lang="ko-KR" altLang="en-US"/>
               <a:t>셋째 수준</a:t>
             </a:r>
           </a:p>
           <a:p>
             <a:pPr lvl="3"/>
             <a:r>
-              <a:rPr lang="ko-KR" altLang="en-US" smtClean="0"/>
+              <a:rPr lang="ko-KR" altLang="en-US"/>
               <a:t>넷째 수준</a:t>
             </a:r>
           </a:p>
           <a:p>
             <a:pPr lvl="4"/>
             <a:r>
-              <a:rPr lang="ko-KR" altLang="en-US" smtClean="0"/>
+              <a:rPr lang="ko-KR" altLang="en-US"/>
               <a:t>다섯째 수준</a:t>
             </a:r>
-            <a:endParaRPr lang="ko-KR" altLang="en-US"/>
           </a:p>
         </p:txBody>
       </p:sp>
@@ -3072,7 +3050,7 @@
             <a:fld id="{CD6DEE77-0C1D-458A-9EBD-426B5B8D0F81}" type="datetimeFigureOut">
               <a:rPr lang="ko-KR" altLang="en-US" smtClean="0"/>
               <a:pPr/>
-              <a:t>2019-07-23</a:t>
+              <a:t>2019-07-24</a:t>
             </a:fld>
             <a:endParaRPr lang="ko-KR" altLang="en-US"/>
           </a:p>
@@ -3526,7 +3504,7 @@
           <a:p>
             <a:pPr marL="342900" indent="-342900" algn="ctr"/>
             <a:r>
-              <a:rPr lang="en-US" altLang="ko-KR" sz="5000" dirty="0" smtClean="0"/>
+              <a:rPr lang="en-US" altLang="ko-KR" sz="5000" dirty="0"/>
               <a:t>Node</a:t>
             </a:r>
           </a:p>
@@ -3537,13 +3515,6 @@
   <p:clrMapOvr>
     <a:masterClrMapping/>
   </p:clrMapOvr>
-  <p:timing>
-    <p:tnLst>
-      <p:par>
-        <p:cTn id="1" dur="indefinite" restart="never" nodeType="tmRoot"/>
-      </p:par>
-    </p:tnLst>
-  </p:timing>
 </p:sld>
 </file>
 
@@ -3639,57 +3610,57 @@
           <a:p>
             <a:pPr algn="ctr"/>
             <a:r>
-              <a:rPr lang="en-US" altLang="ko-KR" dirty="0" smtClean="0"/>
+              <a:rPr lang="en-US" altLang="ko-KR" dirty="0"/>
               <a:t>Node </a:t>
             </a:r>
             <a:r>
-              <a:rPr lang="en-US" altLang="ko-KR" dirty="0" err="1" smtClean="0"/>
+              <a:rPr lang="en-US" altLang="ko-KR" dirty="0" err="1"/>
               <a:t>js</a:t>
             </a:r>
-            <a:endParaRPr lang="en-US" altLang="ko-KR" dirty="0" smtClean="0"/>
+            <a:endParaRPr lang="en-US" altLang="ko-KR" dirty="0"/>
           </a:p>
           <a:p>
             <a:pPr algn="ctr"/>
             <a:r>
-              <a:rPr lang="en-US" altLang="ko-KR" dirty="0" smtClean="0"/>
+              <a:rPr lang="en-US" altLang="ko-KR" dirty="0"/>
               <a:t>( Web Server )</a:t>
             </a:r>
           </a:p>
           <a:p>
             <a:pPr algn="ctr"/>
-            <a:endParaRPr lang="en-US" altLang="ko-KR" dirty="0" smtClean="0"/>
+            <a:endParaRPr lang="en-US" altLang="ko-KR" dirty="0"/>
           </a:p>
           <a:p>
             <a:pPr algn="ctr"/>
-            <a:endParaRPr lang="en-US" altLang="ko-KR" dirty="0" smtClean="0"/>
+            <a:endParaRPr lang="en-US" altLang="ko-KR" dirty="0"/>
           </a:p>
           <a:p>
             <a:pPr algn="ctr"/>
-            <a:endParaRPr lang="en-US" altLang="ko-KR" dirty="0" smtClean="0"/>
+            <a:endParaRPr lang="en-US" altLang="ko-KR" dirty="0"/>
           </a:p>
           <a:p>
             <a:pPr algn="ctr"/>
-            <a:endParaRPr lang="en-US" altLang="ko-KR" dirty="0" smtClean="0"/>
+            <a:endParaRPr lang="en-US" altLang="ko-KR" dirty="0"/>
           </a:p>
           <a:p>
             <a:pPr algn="ctr"/>
-            <a:endParaRPr lang="en-US" altLang="ko-KR" dirty="0" smtClean="0"/>
+            <a:endParaRPr lang="en-US" altLang="ko-KR" dirty="0"/>
           </a:p>
           <a:p>
             <a:pPr algn="ctr"/>
-            <a:endParaRPr lang="en-US" altLang="ko-KR" dirty="0" smtClean="0"/>
+            <a:endParaRPr lang="en-US" altLang="ko-KR" dirty="0"/>
           </a:p>
           <a:p>
             <a:pPr algn="ctr"/>
-            <a:endParaRPr lang="en-US" altLang="ko-KR" dirty="0" smtClean="0"/>
+            <a:endParaRPr lang="en-US" altLang="ko-KR" dirty="0"/>
           </a:p>
           <a:p>
             <a:pPr algn="ctr"/>
-            <a:endParaRPr lang="en-US" altLang="ko-KR" dirty="0" smtClean="0"/>
+            <a:endParaRPr lang="en-US" altLang="ko-KR" dirty="0"/>
           </a:p>
           <a:p>
             <a:pPr algn="ctr"/>
-            <a:endParaRPr lang="en-US" altLang="ko-KR" dirty="0" smtClean="0"/>
+            <a:endParaRPr lang="en-US" altLang="ko-KR" dirty="0"/>
           </a:p>
           <a:p>
             <a:pPr algn="ctr"/>
@@ -3734,14 +3705,14 @@
           <a:p>
             <a:pPr algn="ctr"/>
             <a:r>
-              <a:rPr lang="en-US" altLang="ko-KR" dirty="0" smtClean="0"/>
+              <a:rPr lang="en-US" altLang="ko-KR" dirty="0"/>
               <a:t>Web pack</a:t>
             </a:r>
           </a:p>
           <a:p>
             <a:pPr algn="ctr"/>
             <a:r>
-              <a:rPr lang="en-US" altLang="ko-KR" dirty="0" smtClean="0"/>
+              <a:rPr lang="en-US" altLang="ko-KR" dirty="0"/>
               <a:t>(compress &amp; compile)</a:t>
             </a:r>
             <a:endParaRPr lang="ko-KR" altLang="en-US" dirty="0"/>
@@ -3785,7 +3756,7 @@
           <a:p>
             <a:pPr algn="ctr"/>
             <a:r>
-              <a:rPr lang="en-US" altLang="ko-KR" dirty="0" smtClean="0"/>
+              <a:rPr lang="en-US" altLang="ko-KR" dirty="0"/>
               <a:t>Visual Studio</a:t>
             </a:r>
             <a:endParaRPr lang="ko-KR" altLang="en-US" dirty="0"/>
@@ -3829,7 +3800,7 @@
           <a:p>
             <a:pPr algn="ctr"/>
             <a:r>
-              <a:rPr lang="en-US" altLang="ko-KR" dirty="0" smtClean="0"/>
+              <a:rPr lang="en-US" altLang="ko-KR" dirty="0"/>
               <a:t>developer</a:t>
             </a:r>
             <a:endParaRPr lang="ko-KR" altLang="en-US" dirty="0"/>
@@ -3909,7 +3880,7 @@
           <a:p>
             <a:pPr algn="ctr"/>
             <a:r>
-              <a:rPr lang="en-US" altLang="ko-KR" dirty="0" smtClean="0"/>
+              <a:rPr lang="en-US" altLang="ko-KR" dirty="0"/>
               <a:t>result</a:t>
             </a:r>
             <a:endParaRPr lang="ko-KR" altLang="en-US" dirty="0"/>
@@ -4047,7 +4018,7 @@
           <a:lstStyle/>
           <a:p>
             <a:r>
-              <a:rPr lang="en-US" altLang="ko-KR" dirty="0" smtClean="0"/>
+              <a:rPr lang="en-US" altLang="ko-KR" dirty="0"/>
               <a:t>IDE</a:t>
             </a:r>
             <a:endParaRPr lang="ko-KR" altLang="en-US" dirty="0"/>
@@ -4077,7 +4048,7 @@
           <a:lstStyle/>
           <a:p>
             <a:r>
-              <a:rPr lang="en-US" altLang="ko-KR" dirty="0" smtClean="0"/>
+              <a:rPr lang="en-US" altLang="ko-KR" dirty="0"/>
               <a:t>SOURCE</a:t>
             </a:r>
             <a:endParaRPr lang="ko-KR" altLang="en-US" dirty="0"/>
@@ -4121,7 +4092,7 @@
           <a:p>
             <a:pPr algn="ctr"/>
             <a:r>
-              <a:rPr lang="en-US" altLang="ko-KR" dirty="0" smtClean="0"/>
+              <a:rPr lang="en-US" altLang="ko-KR" dirty="0"/>
               <a:t>VUE</a:t>
             </a:r>
             <a:endParaRPr lang="ko-KR" altLang="en-US" dirty="0"/>
@@ -4165,7 +4136,7 @@
           <a:p>
             <a:pPr algn="ctr"/>
             <a:r>
-              <a:rPr lang="en-US" altLang="ko-KR" dirty="0" smtClean="0"/>
+              <a:rPr lang="en-US" altLang="ko-KR" dirty="0"/>
               <a:t>React</a:t>
             </a:r>
             <a:endParaRPr lang="ko-KR" altLang="en-US" dirty="0"/>
@@ -4209,7 +4180,7 @@
           <a:p>
             <a:pPr algn="ctr"/>
             <a:r>
-              <a:rPr lang="en-US" altLang="ko-KR" dirty="0" err="1" smtClean="0"/>
+              <a:rPr lang="en-US" altLang="ko-KR" dirty="0" err="1"/>
               <a:t>Anguler</a:t>
             </a:r>
             <a:endParaRPr lang="ko-KR" altLang="en-US" dirty="0"/>
@@ -4238,7 +4209,7 @@
           <a:lstStyle/>
           <a:p>
             <a:r>
-              <a:rPr lang="en-US" altLang="ko-KR" sz="1500" dirty="0" smtClean="0"/>
+              <a:rPr lang="en-US" altLang="ko-KR" sz="1500" dirty="0"/>
               <a:t>Front End Framework Architecture</a:t>
             </a:r>
             <a:endParaRPr lang="ko-KR" altLang="en-US" sz="1500" dirty="0"/>
@@ -4267,32 +4238,32 @@
           <a:lstStyle/>
           <a:p>
             <a:r>
-              <a:rPr lang="en-US" altLang="ko-KR" dirty="0" smtClean="0"/>
+              <a:rPr lang="en-US" altLang="ko-KR" dirty="0"/>
               <a:t>Front End F/W </a:t>
             </a:r>
             <a:r>
-              <a:rPr lang="ko-KR" altLang="en-US" dirty="0" smtClean="0"/>
+              <a:rPr lang="ko-KR" altLang="en-US" dirty="0"/>
               <a:t>다운로드 수 통계 자료</a:t>
             </a:r>
-            <a:endParaRPr lang="en-US" altLang="ko-KR" dirty="0" smtClean="0"/>
-          </a:p>
-          <a:p>
-            <a:r>
-              <a:rPr lang="en-US" altLang="ko-KR" dirty="0" smtClean="0">
+            <a:endParaRPr lang="en-US" altLang="ko-KR" dirty="0"/>
+          </a:p>
+          <a:p>
+            <a:r>
+              <a:rPr lang="en-US" altLang="ko-KR" dirty="0">
                 <a:hlinkClick r:id="rId2"/>
               </a:rPr>
               <a:t>https://2017.stateofjs.com/2017/front-end/results/</a:t>
             </a:r>
-            <a:endParaRPr lang="en-US" altLang="ko-KR" dirty="0" smtClean="0"/>
-          </a:p>
-          <a:p>
-            <a:r>
-              <a:rPr lang="en-US" altLang="ko-KR" dirty="0" smtClean="0">
+            <a:endParaRPr lang="en-US" altLang="ko-KR" dirty="0"/>
+          </a:p>
+          <a:p>
+            <a:r>
+              <a:rPr lang="en-US" altLang="ko-KR" dirty="0">
                 <a:hlinkClick r:id="rId3"/>
               </a:rPr>
               <a:t>https://2018.stateofjs.com/data-layer/overview/</a:t>
             </a:r>
-            <a:endParaRPr lang="en-US" altLang="ko-KR" dirty="0" smtClean="0"/>
+            <a:endParaRPr lang="en-US" altLang="ko-KR" dirty="0"/>
           </a:p>
         </p:txBody>
       </p:sp>
@@ -4319,7 +4290,7 @@
           <a:lstStyle/>
           <a:p>
             <a:r>
-              <a:rPr lang="en-US" altLang="ko-KR" dirty="0" smtClean="0"/>
+              <a:rPr lang="en-US" altLang="ko-KR" dirty="0"/>
               <a:t>Support Tool</a:t>
             </a:r>
             <a:endParaRPr lang="ko-KR" altLang="en-US" dirty="0"/>
@@ -4331,13 +4302,6 @@
   <p:clrMapOvr>
     <a:masterClrMapping/>
   </p:clrMapOvr>
-  <p:timing>
-    <p:tnLst>
-      <p:par>
-        <p:cTn id="1" dur="indefinite" restart="never" nodeType="tmRoot"/>
-      </p:par>
-    </p:tnLst>
-  </p:timing>
 </p:sld>
 </file>
 
@@ -4385,11 +4349,7 @@
             </a:r>
             <a:r>
               <a:rPr lang="en-US" altLang="ko-KR" sz="1500" dirty="0"/>
-              <a:t> </a:t>
-            </a:r>
-            <a:r>
-              <a:rPr lang="en-US" altLang="ko-KR" sz="1500" dirty="0" smtClean="0"/>
-              <a:t>of Node</a:t>
+              <a:t> of Node</a:t>
             </a:r>
             <a:endParaRPr lang="ko-KR" altLang="en-US" sz="1500" dirty="0"/>
           </a:p>
@@ -4417,15 +4377,15 @@
           <a:lstStyle/>
           <a:p>
             <a:r>
-              <a:rPr lang="en-US" altLang="ko-KR" b="1" dirty="0" smtClean="0"/>
+              <a:rPr lang="en-US" altLang="ko-KR" b="1" dirty="0"/>
               <a:t>V8 </a:t>
             </a:r>
             <a:r>
-              <a:rPr lang="en-US" altLang="ko-KR" b="1" dirty="0" err="1" smtClean="0"/>
+              <a:rPr lang="en-US" altLang="ko-KR" b="1" dirty="0" err="1"/>
               <a:t>Engene</a:t>
             </a:r>
             <a:r>
-              <a:rPr lang="en-US" altLang="ko-KR" b="1" dirty="0" smtClean="0"/>
+              <a:rPr lang="en-US" altLang="ko-KR" b="1" dirty="0"/>
               <a:t> Based Structure</a:t>
             </a:r>
           </a:p>
@@ -4435,29 +4395,21 @@
               <a:t>	</a:t>
             </a:r>
             <a:r>
-              <a:rPr lang="en-US" altLang="ko-KR" b="1" dirty="0" err="1" smtClean="0"/>
+              <a:rPr lang="en-US" altLang="ko-KR" b="1" dirty="0" err="1"/>
               <a:t>javascript</a:t>
             </a:r>
-            <a:endParaRPr lang="en-US" altLang="ko-KR" b="1" dirty="0" smtClean="0"/>
+            <a:endParaRPr lang="en-US" altLang="ko-KR" b="1" dirty="0"/>
           </a:p>
           <a:p>
             <a:r>
               <a:rPr lang="en-US" altLang="ko-KR" b="1" dirty="0"/>
-              <a:t>	</a:t>
-            </a:r>
-            <a:r>
-              <a:rPr lang="en-US" altLang="ko-KR" b="1" dirty="0" smtClean="0"/>
-              <a:t>powerful language</a:t>
+              <a:t>	powerful language</a:t>
             </a:r>
           </a:p>
           <a:p>
             <a:r>
               <a:rPr lang="en-US" altLang="ko-KR" b="1" dirty="0"/>
-              <a:t>	</a:t>
-            </a:r>
-            <a:r>
-              <a:rPr lang="en-US" altLang="ko-KR" b="1" dirty="0" smtClean="0"/>
-              <a:t>easy Learning curve</a:t>
+              <a:t>	easy Learning curve</a:t>
             </a:r>
           </a:p>
           <a:p>
@@ -4465,18 +4417,14 @@
           </a:p>
           <a:p>
             <a:r>
-              <a:rPr lang="en-US" altLang="ko-KR" b="1" dirty="0" smtClean="0"/>
+              <a:rPr lang="en-US" altLang="ko-KR" b="1" dirty="0"/>
               <a:t>Socket IO</a:t>
             </a:r>
           </a:p>
           <a:p>
             <a:r>
               <a:rPr lang="en-US" altLang="ko-KR" b="1" dirty="0"/>
-              <a:t>	</a:t>
-            </a:r>
-            <a:r>
-              <a:rPr lang="en-US" altLang="ko-KR" b="1" dirty="0" smtClean="0"/>
-              <a:t>all platform powerful push function</a:t>
+              <a:t>	all platform powerful push function</a:t>
             </a:r>
           </a:p>
           <a:p>
@@ -4484,7 +4432,7 @@
           </a:p>
           <a:p>
             <a:r>
-              <a:rPr lang="en-US" altLang="ko-KR" b="1" dirty="0" smtClean="0"/>
+              <a:rPr lang="en-US" altLang="ko-KR" b="1" dirty="0"/>
               <a:t>Single Thread Based Event Loop</a:t>
             </a:r>
             <a:endParaRPr lang="en-US" altLang="ko-KR" dirty="0"/>
@@ -4496,13 +4444,6 @@
   <p:clrMapOvr>
     <a:masterClrMapping/>
   </p:clrMapOvr>
-  <p:timing>
-    <p:tnLst>
-      <p:par>
-        <p:cTn id="1" dur="indefinite" restart="never" nodeType="tmRoot"/>
-      </p:par>
-    </p:tnLst>
-  </p:timing>
 </p:sld>
 </file>
 
@@ -4545,7 +4486,7 @@
           <a:lstStyle/>
           <a:p>
             <a:r>
-              <a:rPr lang="en-US" altLang="ko-KR" sz="1500" dirty="0" smtClean="0"/>
+              <a:rPr lang="en-US" altLang="ko-KR" sz="1500" dirty="0"/>
               <a:t>Node Core Module Architecture</a:t>
             </a:r>
             <a:endParaRPr lang="ko-KR" altLang="en-US" sz="1500" dirty="0"/>
@@ -4580,32 +4521,20 @@
             </a:r>
             <a:r>
               <a:rPr lang="en-US" altLang="ko-KR" b="1" dirty="0"/>
-              <a:t> / Non blocking </a:t>
-            </a:r>
-            <a:r>
-              <a:rPr lang="en-US" altLang="ko-KR" b="1" dirty="0" smtClean="0"/>
-              <a:t>IO</a:t>
+              <a:t> / Non blocking IO</a:t>
             </a:r>
             <a:endParaRPr lang="en-US" altLang="ko-KR" dirty="0"/>
           </a:p>
           <a:p>
             <a:r>
               <a:rPr lang="en-US" altLang="ko-KR" b="1" dirty="0"/>
-              <a:t>Single Thread </a:t>
-            </a:r>
-            <a:r>
-              <a:rPr lang="en-US" altLang="ko-KR" b="1" dirty="0" smtClean="0"/>
-              <a:t>Model</a:t>
+              <a:t>Single Thread Model</a:t>
             </a:r>
           </a:p>
           <a:p>
             <a:r>
               <a:rPr lang="en-US" altLang="ko-KR" b="1" dirty="0"/>
-              <a:t>Thread </a:t>
-            </a:r>
-            <a:r>
-              <a:rPr lang="en-US" altLang="ko-KR" b="1" dirty="0" smtClean="0"/>
-              <a:t>pool</a:t>
+              <a:t>Thread pool</a:t>
             </a:r>
             <a:endParaRPr lang="en-US" altLang="ko-KR" dirty="0"/>
           </a:p>
@@ -4616,11 +4545,7 @@
             </a:r>
             <a:r>
               <a:rPr lang="en-US" altLang="ko-KR" b="1" dirty="0"/>
-              <a:t>Event </a:t>
-            </a:r>
-            <a:r>
-              <a:rPr lang="en-US" altLang="ko-KR" b="1" dirty="0" smtClean="0"/>
-              <a:t>Loop</a:t>
+              <a:t>Event Loop</a:t>
             </a:r>
             <a:endParaRPr lang="en-US" altLang="ko-KR" dirty="0"/>
           </a:p>
@@ -4666,13 +4591,6 @@
   <p:clrMapOvr>
     <a:masterClrMapping/>
   </p:clrMapOvr>
-  <p:timing>
-    <p:tnLst>
-      <p:par>
-        <p:cTn id="1" dur="indefinite" restart="never" nodeType="tmRoot"/>
-      </p:par>
-    </p:tnLst>
-  </p:timing>
 </p:sld>
 </file>
 
@@ -4715,7 +4633,7 @@
           <a:lstStyle/>
           <a:p>
             <a:r>
-              <a:rPr lang="fr-FR" altLang="ko-KR" dirty="0" smtClean="0">
+              <a:rPr lang="fr-FR" altLang="ko-KR" dirty="0">
                 <a:latin typeface="Menlo"/>
               </a:rPr>
               <a:t>npm install --save-dev webpack webpack-cli</a:t>
@@ -4726,35 +4644,20 @@
               <a:rPr lang="fr-FR" altLang="ko-KR" dirty="0">
                 <a:latin typeface="Menlo"/>
               </a:rPr>
-              <a:t>npm install </a:t>
-            </a:r>
-            <a:r>
-              <a:rPr lang="fr-FR" altLang="ko-KR" dirty="0" smtClean="0">
-                <a:latin typeface="Menlo"/>
-              </a:rPr>
-              <a:t>–g webpack webpack-cli</a:t>
-            </a:r>
+              <a:t>npm install –g webpack webpack-cli</a:t>
+            </a:r>
+          </a:p>
+          <a:p>
             <a:endParaRPr lang="fr-FR" altLang="ko-KR" dirty="0">
               <a:latin typeface="Menlo"/>
             </a:endParaRPr>
           </a:p>
           <a:p>
-            <a:endParaRPr lang="fr-FR" altLang="ko-KR" dirty="0" smtClean="0">
-              <a:latin typeface="Menlo"/>
-            </a:endParaRPr>
-          </a:p>
-          <a:p>
             <a:r>
               <a:rPr lang="fr-FR" altLang="ko-KR" dirty="0">
                 <a:latin typeface="Menlo"/>
               </a:rPr>
-              <a:t>npm install --save-dev @babel/core @</a:t>
-            </a:r>
-            <a:r>
-              <a:rPr lang="fr-FR" altLang="ko-KR" dirty="0" smtClean="0">
-                <a:latin typeface="Menlo"/>
-              </a:rPr>
-              <a:t>babel/preset-env</a:t>
+              <a:t>npm install --save-dev @babel/core @babel/preset-env</a:t>
             </a:r>
           </a:p>
           <a:p>
@@ -4799,7 +4702,7 @@
               </a:rPr>
               <a:t> @babel/preset-react</a:t>
             </a:r>
-            <a:endParaRPr lang="fr-FR" altLang="ko-KR" dirty="0" smtClean="0">
+            <a:endParaRPr lang="fr-FR" altLang="ko-KR" dirty="0">
               <a:latin typeface="Menlo"/>
             </a:endParaRPr>
           </a:p>
@@ -4810,21 +4713,18 @@
               </a:rPr>
               <a:t>npm install -g babel-preset-react</a:t>
             </a:r>
-            <a:endParaRPr lang="fr-FR" altLang="ko-KR" dirty="0" smtClean="0">
+          </a:p>
+          <a:p>
+            <a:endParaRPr lang="fr-FR" altLang="ko-KR" dirty="0">
               <a:latin typeface="Menlo"/>
             </a:endParaRPr>
           </a:p>
           <a:p>
-            <a:endParaRPr lang="fr-FR" altLang="ko-KR" dirty="0" smtClean="0">
+            <a:endParaRPr lang="fr-FR" altLang="ko-KR" dirty="0">
               <a:latin typeface="Menlo"/>
             </a:endParaRPr>
           </a:p>
           <a:p>
-            <a:endParaRPr lang="fr-FR" altLang="ko-KR" dirty="0" smtClean="0">
-              <a:latin typeface="Menlo"/>
-            </a:endParaRPr>
-          </a:p>
-          <a:p>
             <a:r>
               <a:rPr lang="en-US" altLang="ko-KR" dirty="0" err="1"/>
               <a:t>npm</a:t>
@@ -4847,11 +4747,7 @@
             </a:r>
             <a:r>
               <a:rPr lang="en-US" altLang="ko-KR" dirty="0"/>
-              <a:t>-plugin </a:t>
-            </a:r>
-            <a:r>
-              <a:rPr lang="en-US" altLang="ko-KR" dirty="0" smtClean="0"/>
-              <a:t>html-loader</a:t>
+              <a:t>-plugin html-loader</a:t>
             </a:r>
           </a:p>
           <a:p>
@@ -4866,15 +4762,7 @@
             </a:r>
             <a:r>
               <a:rPr lang="en-US" altLang="ko-KR" dirty="0"/>
-              <a:t> install </a:t>
-            </a:r>
-            <a:r>
-              <a:rPr lang="en-US" altLang="ko-KR" dirty="0" smtClean="0"/>
-              <a:t>--g </a:t>
-            </a:r>
-            <a:r>
-              <a:rPr lang="en-US" altLang="ko-KR" dirty="0"/>
-              <a:t>html-</a:t>
+              <a:t> install --g html-</a:t>
             </a:r>
             <a:r>
               <a:rPr lang="en-US" altLang="ko-KR" dirty="0" err="1"/>
@@ -4894,22 +4782,16 @@
             </a:endParaRPr>
           </a:p>
           <a:p>
-            <a:endParaRPr lang="fr-FR" altLang="ko-KR" dirty="0" smtClean="0">
+            <a:endParaRPr lang="fr-FR" altLang="ko-KR" dirty="0">
               <a:latin typeface="Menlo"/>
             </a:endParaRPr>
           </a:p>
           <a:p>
-            <a:r>
-              <a:rPr lang="fr-FR" altLang="ko-KR" dirty="0" smtClean="0">
-                <a:latin typeface="Menlo"/>
-              </a:rPr>
-              <a:t>npm </a:t>
-            </a:r>
             <a:r>
               <a:rPr lang="fr-FR" altLang="ko-KR" dirty="0">
                 <a:latin typeface="Menlo"/>
               </a:rPr>
-              <a:t>install vue </a:t>
+              <a:t>npm install vue </a:t>
             </a:r>
             <a:r>
               <a:rPr lang="fr-FR" altLang="ko-KR" i="1" dirty="0">
@@ -4923,16 +4805,10 @@
               </a:rPr>
             </a:br>
             <a:r>
-              <a:rPr lang="fr-FR" altLang="ko-KR" dirty="0" smtClean="0">
-                <a:latin typeface="Menlo"/>
-              </a:rPr>
-              <a:t>npm </a:t>
-            </a:r>
-            <a:r>
               <a:rPr lang="fr-FR" altLang="ko-KR" dirty="0">
                 <a:latin typeface="Menlo"/>
               </a:rPr>
-              <a:t>install vue-loader vue-template-compiler -D</a:t>
+              <a:t>npm install vue-loader vue-template-compiler -D</a:t>
             </a:r>
             <a:endParaRPr lang="ko-KR" altLang="en-US" dirty="0"/>
           </a:p>
@@ -4960,7 +4836,7 @@
           <a:lstStyle/>
           <a:p>
             <a:r>
-              <a:rPr lang="en-US" altLang="ko-KR" sz="1500" dirty="0" smtClean="0"/>
+              <a:rPr lang="en-US" altLang="ko-KR" sz="1500" dirty="0"/>
               <a:t>Node Syntax Example</a:t>
             </a:r>
             <a:endParaRPr lang="ko-KR" altLang="en-US" sz="1500" dirty="0"/>
@@ -4977,13 +4853,6 @@
   <p:clrMapOvr>
     <a:masterClrMapping/>
   </p:clrMapOvr>
-  <p:timing>
-    <p:tnLst>
-      <p:par>
-        <p:cTn id="1" dur="indefinite" restart="never" nodeType="tmRoot"/>
-      </p:par>
-    </p:tnLst>
-  </p:timing>
 </p:sld>
 </file>
 

--- a/doc/3주차 스터디 NODE.pptx
+++ b/doc/3주차 스터디 NODE.pptx
@@ -6766,42 +6766,6 @@
               <a:rPr lang="ko-KR" altLang="en-US" sz="1000" dirty="0"/>
               <a:t>함수 호출</a:t>
             </a:r>
-          </a:p>
-        </p:txBody>
-      </p:sp>
-      <p:sp>
-        <p:nvSpPr>
-          <p:cNvPr id="76" name="TextBox 75">
-            <a:extLst>
-              <a:ext uri="{FF2B5EF4-FFF2-40B4-BE49-F238E27FC236}">
-                <a16:creationId xmlns:a16="http://schemas.microsoft.com/office/drawing/2014/main" id="{1FB3D70B-9B44-46CE-91F5-1E97519CA1EA}"/>
-              </a:ext>
-            </a:extLst>
-          </p:cNvPr>
-          <p:cNvSpPr txBox="1"/>
-          <p:nvPr/>
-        </p:nvSpPr>
-        <p:spPr>
-          <a:xfrm>
-            <a:off x="3207054" y="4204682"/>
-            <a:ext cx="1005403" cy="246221"/>
-          </a:xfrm>
-          <a:prstGeom prst="rect">
-            <a:avLst/>
-          </a:prstGeom>
-          <a:noFill/>
-        </p:spPr>
-        <p:txBody>
-          <a:bodyPr wrap="none" rtlCol="0">
-            <a:spAutoFit/>
-          </a:bodyPr>
-          <a:lstStyle/>
-          <a:p>
-            <a:r>
-              <a:rPr lang="en-US" altLang="ko-KR" sz="1000" dirty="0"/>
-              <a:t>SOCKET Close</a:t>
-            </a:r>
-            <a:endParaRPr lang="ko-KR" altLang="en-US" sz="1000" dirty="0"/>
           </a:p>
         </p:txBody>
       </p:sp>

--- a/doc/3주차 스터디 NODE.pptx
+++ b/doc/3주차 스터디 NODE.pptx
@@ -5,7 +5,7 @@
     <p:sldMasterId id="2147483648" r:id="rId1"/>
   </p:sldMasterIdLst>
   <p:notesMasterIdLst>
-    <p:notesMasterId r:id="rId13"/>
+    <p:notesMasterId r:id="rId15"/>
   </p:notesMasterIdLst>
   <p:sldIdLst>
     <p:sldId id="262" r:id="rId2"/>
@@ -19,6 +19,8 @@
     <p:sldId id="271" r:id="rId10"/>
     <p:sldId id="272" r:id="rId11"/>
     <p:sldId id="263" r:id="rId12"/>
+    <p:sldId id="273" r:id="rId13"/>
+    <p:sldId id="274" r:id="rId14"/>
   </p:sldIdLst>
   <p:sldSz cx="9144000" cy="6858000" type="screen4x3"/>
   <p:notesSz cx="6858000" cy="9144000"/>
@@ -221,7 +223,7 @@
           <a:p>
             <a:fld id="{0AE2D704-4531-4D9B-8AE3-D3A27B0918BF}" type="datetimeFigureOut">
               <a:rPr lang="ko-KR" altLang="en-US" smtClean="0"/>
-              <a:t>2019-07-24</a:t>
+              <a:t>2019-07-30</a:t>
             </a:fld>
             <a:endParaRPr lang="ko-KR" altLang="en-US"/>
           </a:p>
@@ -668,7 +670,7 @@
             <a:fld id="{CD6DEE77-0C1D-458A-9EBD-426B5B8D0F81}" type="datetimeFigureOut">
               <a:rPr lang="ko-KR" altLang="en-US" smtClean="0"/>
               <a:pPr/>
-              <a:t>2019-07-24</a:t>
+              <a:t>2019-07-30</a:t>
             </a:fld>
             <a:endParaRPr lang="ko-KR" altLang="en-US"/>
           </a:p>
@@ -833,7 +835,7 @@
             <a:fld id="{CD6DEE77-0C1D-458A-9EBD-426B5B8D0F81}" type="datetimeFigureOut">
               <a:rPr lang="ko-KR" altLang="en-US" smtClean="0"/>
               <a:pPr/>
-              <a:t>2019-07-24</a:t>
+              <a:t>2019-07-30</a:t>
             </a:fld>
             <a:endParaRPr lang="ko-KR" altLang="en-US"/>
           </a:p>
@@ -1008,7 +1010,7 @@
             <a:fld id="{CD6DEE77-0C1D-458A-9EBD-426B5B8D0F81}" type="datetimeFigureOut">
               <a:rPr lang="ko-KR" altLang="en-US" smtClean="0"/>
               <a:pPr/>
-              <a:t>2019-07-24</a:t>
+              <a:t>2019-07-30</a:t>
             </a:fld>
             <a:endParaRPr lang="ko-KR" altLang="en-US"/>
           </a:p>
@@ -1181,7 +1183,7 @@
             <a:fld id="{CD6DEE77-0C1D-458A-9EBD-426B5B8D0F81}" type="datetimeFigureOut">
               <a:rPr lang="ko-KR" altLang="en-US" smtClean="0"/>
               <a:pPr/>
-              <a:t>2019-07-24</a:t>
+              <a:t>2019-07-30</a:t>
             </a:fld>
             <a:endParaRPr lang="ko-KR" altLang="en-US"/>
           </a:p>
@@ -1423,7 +1425,7 @@
             <a:fld id="{CD6DEE77-0C1D-458A-9EBD-426B5B8D0F81}" type="datetimeFigureOut">
               <a:rPr lang="ko-KR" altLang="en-US" smtClean="0"/>
               <a:pPr/>
-              <a:t>2019-07-24</a:t>
+              <a:t>2019-07-30</a:t>
             </a:fld>
             <a:endParaRPr lang="ko-KR" altLang="en-US"/>
           </a:p>
@@ -1705,7 +1707,7 @@
             <a:fld id="{CD6DEE77-0C1D-458A-9EBD-426B5B8D0F81}" type="datetimeFigureOut">
               <a:rPr lang="ko-KR" altLang="en-US" smtClean="0"/>
               <a:pPr/>
-              <a:t>2019-07-24</a:t>
+              <a:t>2019-07-30</a:t>
             </a:fld>
             <a:endParaRPr lang="ko-KR" altLang="en-US"/>
           </a:p>
@@ -2121,7 +2123,7 @@
             <a:fld id="{CD6DEE77-0C1D-458A-9EBD-426B5B8D0F81}" type="datetimeFigureOut">
               <a:rPr lang="ko-KR" altLang="en-US" smtClean="0"/>
               <a:pPr/>
-              <a:t>2019-07-24</a:t>
+              <a:t>2019-07-30</a:t>
             </a:fld>
             <a:endParaRPr lang="ko-KR" altLang="en-US"/>
           </a:p>
@@ -2235,7 +2237,7 @@
             <a:fld id="{CD6DEE77-0C1D-458A-9EBD-426B5B8D0F81}" type="datetimeFigureOut">
               <a:rPr lang="ko-KR" altLang="en-US" smtClean="0"/>
               <a:pPr/>
-              <a:t>2019-07-24</a:t>
+              <a:t>2019-07-30</a:t>
             </a:fld>
             <a:endParaRPr lang="ko-KR" altLang="en-US"/>
           </a:p>
@@ -2327,7 +2329,7 @@
             <a:fld id="{CD6DEE77-0C1D-458A-9EBD-426B5B8D0F81}" type="datetimeFigureOut">
               <a:rPr lang="ko-KR" altLang="en-US" smtClean="0"/>
               <a:pPr/>
-              <a:t>2019-07-24</a:t>
+              <a:t>2019-07-30</a:t>
             </a:fld>
             <a:endParaRPr lang="ko-KR" altLang="en-US"/>
           </a:p>
@@ -2599,7 +2601,7 @@
             <a:fld id="{CD6DEE77-0C1D-458A-9EBD-426B5B8D0F81}" type="datetimeFigureOut">
               <a:rPr lang="ko-KR" altLang="en-US" smtClean="0"/>
               <a:pPr/>
-              <a:t>2019-07-24</a:t>
+              <a:t>2019-07-30</a:t>
             </a:fld>
             <a:endParaRPr lang="ko-KR" altLang="en-US"/>
           </a:p>
@@ -2848,7 +2850,7 @@
             <a:fld id="{CD6DEE77-0C1D-458A-9EBD-426B5B8D0F81}" type="datetimeFigureOut">
               <a:rPr lang="ko-KR" altLang="en-US" smtClean="0"/>
               <a:pPr/>
-              <a:t>2019-07-24</a:t>
+              <a:t>2019-07-30</a:t>
             </a:fld>
             <a:endParaRPr lang="ko-KR" altLang="en-US"/>
           </a:p>
@@ -3056,7 +3058,7 @@
             <a:fld id="{CD6DEE77-0C1D-458A-9EBD-426B5B8D0F81}" type="datetimeFigureOut">
               <a:rPr lang="ko-KR" altLang="en-US" smtClean="0"/>
               <a:pPr/>
-              <a:t>2019-07-24</a:t>
+              <a:t>2019-07-30</a:t>
             </a:fld>
             <a:endParaRPr lang="ko-KR" altLang="en-US"/>
           </a:p>
@@ -3888,7 +3890,7 @@
         <p:spPr>
           <a:xfrm>
             <a:off x="966928" y="4107569"/>
-            <a:ext cx="4942379" cy="1200329"/>
+            <a:ext cx="7237879" cy="1200329"/>
           </a:xfrm>
           <a:prstGeom prst="rect">
             <a:avLst/>
@@ -4056,7 +4058,7 @@
               </a:spcAft>
             </a:pPr>
             <a:r>
-              <a:rPr lang="en-US" altLang="ko-KR" b="1" dirty="0">
+              <a:rPr lang="en-US" altLang="ko-KR" b="1" strike="sngStrike" dirty="0">
                 <a:solidFill>
                   <a:srgbClr val="222222"/>
                 </a:solidFill>
@@ -4066,7 +4068,7 @@
               <a:t>Error Code All </a:t>
             </a:r>
             <a:r>
-              <a:rPr lang="en-US" altLang="ko-KR" b="1" dirty="0" err="1">
+              <a:rPr lang="en-US" altLang="ko-KR" b="1" strike="sngStrike" dirty="0" err="1">
                 <a:solidFill>
                   <a:srgbClr val="222222"/>
                 </a:solidFill>
@@ -4076,7 +4078,7 @@
               <a:t>failer</a:t>
             </a:r>
             <a:r>
-              <a:rPr lang="en-US" altLang="ko-KR" b="1" dirty="0">
+              <a:rPr lang="en-US" altLang="ko-KR" b="1" strike="sngStrike" dirty="0">
                 <a:solidFill>
                   <a:srgbClr val="222222"/>
                 </a:solidFill>
@@ -4084,6 +4086,16 @@
                 <a:ea typeface="Apple SD Gothic Neo"/>
               </a:rPr>
               <a:t> node Server</a:t>
+            </a:r>
+            <a:r>
+              <a:rPr lang="en-US" altLang="ko-KR" b="1" dirty="0">
+                <a:solidFill>
+                  <a:srgbClr val="222222"/>
+                </a:solidFill>
+                <a:latin typeface="Arial Unicode MS" panose="020B0604020202020204" pitchFamily="50" charset="-127"/>
+                <a:ea typeface="Apple SD Gothic Neo"/>
+              </a:rPr>
+              <a:t> ( hot deploy , option staging deploy )</a:t>
             </a:r>
           </a:p>
         </p:txBody>
@@ -4127,7 +4139,7 @@
         <p:spPr>
           <a:xfrm>
             <a:off x="539552" y="764704"/>
-            <a:ext cx="7272808" cy="4524315"/>
+            <a:ext cx="7272808" cy="4801314"/>
           </a:xfrm>
           <a:prstGeom prst="rect">
             <a:avLst/>
@@ -4219,6 +4231,14 @@
                 <a:latin typeface="Menlo"/>
               </a:rPr>
               <a:t>npm install -g babel-preset-react</a:t>
+            </a:r>
+          </a:p>
+          <a:p>
+            <a:r>
+              <a:rPr lang="fr-FR" altLang="ko-KR" dirty="0">
+                <a:latin typeface="Menlo"/>
+              </a:rPr>
+              <a:t>npm install -i babel-preset-react</a:t>
             </a:r>
           </a:p>
           <a:p>
@@ -4429,6 +4449,1381 @@
     <p:extLst>
       <p:ext uri="{BB962C8B-B14F-4D97-AF65-F5344CB8AC3E}">
         <p14:creationId xmlns:p14="http://schemas.microsoft.com/office/powerpoint/2010/main" val="3878470902"/>
+      </p:ext>
+    </p:extLst>
+  </p:cSld>
+  <p:clrMapOvr>
+    <a:masterClrMapping/>
+  </p:clrMapOvr>
+</p:sld>
+</file>
+
+<file path=ppt/slides/slide12.xml><?xml version="1.0" encoding="utf-8"?>
+<p:sld xmlns:a="http://schemas.openxmlformats.org/drawingml/2006/main" xmlns:r="http://schemas.openxmlformats.org/officeDocument/2006/relationships" xmlns:p="http://schemas.openxmlformats.org/presentationml/2006/main">
+  <p:cSld>
+    <p:spTree>
+      <p:nvGrpSpPr>
+        <p:cNvPr id="1" name=""/>
+        <p:cNvGrpSpPr/>
+        <p:nvPr/>
+      </p:nvGrpSpPr>
+      <p:grpSpPr>
+        <a:xfrm>
+          <a:off x="0" y="0"/>
+          <a:ext cx="0" cy="0"/>
+          <a:chOff x="0" y="0"/>
+          <a:chExt cx="0" cy="0"/>
+        </a:xfrm>
+      </p:grpSpPr>
+      <p:sp>
+        <p:nvSpPr>
+          <p:cNvPr id="5" name="직사각형 4">
+            <a:extLst>
+              <a:ext uri="{FF2B5EF4-FFF2-40B4-BE49-F238E27FC236}">
+                <a16:creationId xmlns:a16="http://schemas.microsoft.com/office/drawing/2014/main" id="{7085729C-0A60-49FE-BD78-2898AA0EDEFA}"/>
+              </a:ext>
+            </a:extLst>
+          </p:cNvPr>
+          <p:cNvSpPr/>
+          <p:nvPr/>
+        </p:nvSpPr>
+        <p:spPr>
+          <a:xfrm>
+            <a:off x="3635896" y="260648"/>
+            <a:ext cx="4968552" cy="3259847"/>
+          </a:xfrm>
+          <a:prstGeom prst="rect">
+            <a:avLst/>
+          </a:prstGeom>
+          <a:solidFill>
+            <a:schemeClr val="bg1"/>
+          </a:solidFill>
+          <a:ln>
+            <a:solidFill>
+              <a:schemeClr val="tx1"/>
+            </a:solidFill>
+          </a:ln>
+        </p:spPr>
+        <p:style>
+          <a:lnRef idx="2">
+            <a:schemeClr val="accent1">
+              <a:shade val="50000"/>
+            </a:schemeClr>
+          </a:lnRef>
+          <a:fillRef idx="1">
+            <a:schemeClr val="accent1"/>
+          </a:fillRef>
+          <a:effectRef idx="0">
+            <a:schemeClr val="accent1"/>
+          </a:effectRef>
+          <a:fontRef idx="minor">
+            <a:schemeClr val="lt1"/>
+          </a:fontRef>
+        </p:style>
+        <p:txBody>
+          <a:bodyPr rtlCol="0" anchor="ctr"/>
+          <a:lstStyle/>
+          <a:p>
+            <a:pPr algn="ctr"/>
+            <a:r>
+              <a:rPr lang="en-US" altLang="ko-KR" dirty="0">
+                <a:solidFill>
+                  <a:schemeClr val="tx1"/>
+                </a:solidFill>
+              </a:rPr>
+              <a:t>Node </a:t>
+            </a:r>
+            <a:r>
+              <a:rPr lang="en-US" altLang="ko-KR" dirty="0" err="1">
+                <a:solidFill>
+                  <a:schemeClr val="tx1"/>
+                </a:solidFill>
+              </a:rPr>
+              <a:t>js</a:t>
+            </a:r>
+            <a:endParaRPr lang="en-US" altLang="ko-KR" dirty="0">
+              <a:solidFill>
+                <a:schemeClr val="tx1"/>
+              </a:solidFill>
+            </a:endParaRPr>
+          </a:p>
+          <a:p>
+            <a:pPr algn="ctr"/>
+            <a:r>
+              <a:rPr lang="en-US" altLang="ko-KR" dirty="0">
+                <a:solidFill>
+                  <a:schemeClr val="tx1"/>
+                </a:solidFill>
+              </a:rPr>
+              <a:t>Npm.exe</a:t>
+            </a:r>
+          </a:p>
+          <a:p>
+            <a:pPr algn="ctr"/>
+            <a:endParaRPr lang="en-US" altLang="ko-KR" dirty="0">
+              <a:solidFill>
+                <a:schemeClr val="tx1"/>
+              </a:solidFill>
+            </a:endParaRPr>
+          </a:p>
+          <a:p>
+            <a:pPr algn="ctr"/>
+            <a:r>
+              <a:rPr lang="en-US" altLang="ko-KR" dirty="0" err="1">
+                <a:solidFill>
+                  <a:schemeClr val="tx1"/>
+                </a:solidFill>
+              </a:rPr>
+              <a:t>Npm</a:t>
+            </a:r>
+            <a:r>
+              <a:rPr lang="en-US" altLang="ko-KR" dirty="0">
+                <a:solidFill>
+                  <a:schemeClr val="tx1"/>
+                </a:solidFill>
+              </a:rPr>
+              <a:t> install --save-dev html-webpack-plugin html-loader</a:t>
+            </a:r>
+          </a:p>
+          <a:p>
+            <a:pPr algn="ctr"/>
+            <a:endParaRPr lang="en-US" altLang="ko-KR" dirty="0">
+              <a:solidFill>
+                <a:schemeClr val="tx1"/>
+              </a:solidFill>
+            </a:endParaRPr>
+          </a:p>
+          <a:p>
+            <a:pPr algn="ctr"/>
+            <a:r>
+              <a:rPr lang="en-US" altLang="ko-KR" dirty="0">
+                <a:solidFill>
+                  <a:schemeClr val="tx1"/>
+                </a:solidFill>
+                <a:hlinkClick r:id="rId2"/>
+              </a:rPr>
+              <a:t>https://registry.npmjs.org/devdvdafsfd</a:t>
+            </a:r>
+            <a:endParaRPr lang="en-US" altLang="ko-KR" dirty="0">
+              <a:solidFill>
+                <a:schemeClr val="tx1"/>
+              </a:solidFill>
+            </a:endParaRPr>
+          </a:p>
+          <a:p>
+            <a:pPr algn="ctr"/>
+            <a:endParaRPr lang="en-US" altLang="ko-KR" dirty="0">
+              <a:solidFill>
+                <a:schemeClr val="tx1"/>
+              </a:solidFill>
+            </a:endParaRPr>
+          </a:p>
+          <a:p>
+            <a:pPr algn="ctr"/>
+            <a:r>
+              <a:rPr lang="en-US" altLang="ko-KR" dirty="0">
+                <a:solidFill>
+                  <a:schemeClr val="tx1"/>
+                </a:solidFill>
+              </a:rPr>
+              <a:t>Download</a:t>
+            </a:r>
+          </a:p>
+          <a:p>
+            <a:pPr algn="ctr"/>
+            <a:r>
+              <a:rPr lang="en-US" altLang="ko-KR" dirty="0">
+                <a:solidFill>
+                  <a:schemeClr val="tx1"/>
+                </a:solidFill>
+              </a:rPr>
+              <a:t>/</a:t>
+            </a:r>
+            <a:r>
+              <a:rPr lang="en-US" altLang="ko-KR" dirty="0" err="1">
+                <a:solidFill>
+                  <a:schemeClr val="tx1"/>
+                </a:solidFill>
+              </a:rPr>
+              <a:t>npm_modules</a:t>
+            </a:r>
+            <a:r>
+              <a:rPr lang="en-US" altLang="ko-KR" dirty="0">
+                <a:solidFill>
+                  <a:schemeClr val="tx1"/>
+                </a:solidFill>
+              </a:rPr>
+              <a:t>/</a:t>
+            </a:r>
+            <a:r>
+              <a:rPr lang="en-US" altLang="ko-KR" dirty="0" err="1">
+                <a:solidFill>
+                  <a:schemeClr val="tx1"/>
+                </a:solidFill>
+                <a:hlinkClick r:id="rId2"/>
+              </a:rPr>
+              <a:t>devdvdafsfd</a:t>
+            </a:r>
+            <a:endParaRPr lang="en-US" altLang="ko-KR" dirty="0">
+              <a:solidFill>
+                <a:schemeClr val="tx1"/>
+              </a:solidFill>
+            </a:endParaRPr>
+          </a:p>
+          <a:p>
+            <a:pPr algn="ctr"/>
+            <a:endParaRPr lang="en-US" altLang="ko-KR" dirty="0">
+              <a:solidFill>
+                <a:schemeClr val="tx1"/>
+              </a:solidFill>
+            </a:endParaRPr>
+          </a:p>
+        </p:txBody>
+      </p:sp>
+      <p:sp>
+        <p:nvSpPr>
+          <p:cNvPr id="23" name="구름 22">
+            <a:extLst>
+              <a:ext uri="{FF2B5EF4-FFF2-40B4-BE49-F238E27FC236}">
+                <a16:creationId xmlns:a16="http://schemas.microsoft.com/office/drawing/2014/main" id="{076FCC77-641B-41C4-B0CA-F27D7D51281E}"/>
+              </a:ext>
+            </a:extLst>
+          </p:cNvPr>
+          <p:cNvSpPr/>
+          <p:nvPr/>
+        </p:nvSpPr>
+        <p:spPr>
+          <a:xfrm>
+            <a:off x="1768155" y="1756300"/>
+            <a:ext cx="1440160" cy="936104"/>
+          </a:xfrm>
+          <a:prstGeom prst="cloud">
+            <a:avLst/>
+          </a:prstGeom>
+          <a:solidFill>
+            <a:schemeClr val="bg1">
+              <a:lumMod val="95000"/>
+            </a:schemeClr>
+          </a:solidFill>
+          <a:ln>
+            <a:solidFill>
+              <a:schemeClr val="tx1"/>
+            </a:solidFill>
+          </a:ln>
+        </p:spPr>
+        <p:style>
+          <a:lnRef idx="2">
+            <a:schemeClr val="accent1">
+              <a:shade val="50000"/>
+            </a:schemeClr>
+          </a:lnRef>
+          <a:fillRef idx="1">
+            <a:schemeClr val="accent1"/>
+          </a:fillRef>
+          <a:effectRef idx="0">
+            <a:schemeClr val="accent1"/>
+          </a:effectRef>
+          <a:fontRef idx="minor">
+            <a:schemeClr val="lt1"/>
+          </a:fontRef>
+        </p:style>
+        <p:txBody>
+          <a:bodyPr rtlCol="0" anchor="ctr"/>
+          <a:lstStyle/>
+          <a:p>
+            <a:pPr algn="ctr"/>
+            <a:r>
+              <a:rPr lang="en-US" altLang="ko-KR" dirty="0">
+                <a:solidFill>
+                  <a:schemeClr val="tx1"/>
+                </a:solidFill>
+              </a:rPr>
+              <a:t>Git</a:t>
+            </a:r>
+            <a:endParaRPr lang="ko-KR" altLang="en-US" dirty="0">
+              <a:solidFill>
+                <a:schemeClr val="tx1"/>
+              </a:solidFill>
+            </a:endParaRPr>
+          </a:p>
+        </p:txBody>
+      </p:sp>
+      <p:cxnSp>
+        <p:nvCxnSpPr>
+          <p:cNvPr id="25" name="직선 화살표 연결선 24">
+            <a:extLst>
+              <a:ext uri="{FF2B5EF4-FFF2-40B4-BE49-F238E27FC236}">
+                <a16:creationId xmlns:a16="http://schemas.microsoft.com/office/drawing/2014/main" id="{CA220314-9EB6-4117-A0FB-5477AF6D4486}"/>
+              </a:ext>
+            </a:extLst>
+          </p:cNvPr>
+          <p:cNvCxnSpPr>
+            <a:stCxn id="5" idx="1"/>
+            <a:endCxn id="23" idx="0"/>
+          </p:cNvCxnSpPr>
+          <p:nvPr/>
+        </p:nvCxnSpPr>
+        <p:spPr>
+          <a:xfrm flipH="1">
+            <a:off x="3207115" y="1890572"/>
+            <a:ext cx="428781" cy="333780"/>
+          </a:xfrm>
+          <a:prstGeom prst="straightConnector1">
+            <a:avLst/>
+          </a:prstGeom>
+          <a:ln>
+            <a:tailEnd type="triangle"/>
+          </a:ln>
+        </p:spPr>
+        <p:style>
+          <a:lnRef idx="1">
+            <a:schemeClr val="accent1"/>
+          </a:lnRef>
+          <a:fillRef idx="0">
+            <a:schemeClr val="accent1"/>
+          </a:fillRef>
+          <a:effectRef idx="0">
+            <a:schemeClr val="accent1"/>
+          </a:effectRef>
+          <a:fontRef idx="minor">
+            <a:schemeClr val="tx1"/>
+          </a:fontRef>
+        </p:style>
+      </p:cxnSp>
+      <p:sp>
+        <p:nvSpPr>
+          <p:cNvPr id="27" name="구름 26">
+            <a:extLst>
+              <a:ext uri="{FF2B5EF4-FFF2-40B4-BE49-F238E27FC236}">
+                <a16:creationId xmlns:a16="http://schemas.microsoft.com/office/drawing/2014/main" id="{C8130C11-5DE4-4DEE-9A5D-24F6AB32A807}"/>
+              </a:ext>
+            </a:extLst>
+          </p:cNvPr>
+          <p:cNvSpPr/>
+          <p:nvPr/>
+        </p:nvSpPr>
+        <p:spPr>
+          <a:xfrm>
+            <a:off x="323528" y="559061"/>
+            <a:ext cx="1440160" cy="936104"/>
+          </a:xfrm>
+          <a:prstGeom prst="cloud">
+            <a:avLst/>
+          </a:prstGeom>
+          <a:solidFill>
+            <a:schemeClr val="bg1">
+              <a:lumMod val="95000"/>
+            </a:schemeClr>
+          </a:solidFill>
+          <a:ln>
+            <a:solidFill>
+              <a:schemeClr val="tx1"/>
+            </a:solidFill>
+          </a:ln>
+        </p:spPr>
+        <p:style>
+          <a:lnRef idx="2">
+            <a:schemeClr val="accent1">
+              <a:shade val="50000"/>
+            </a:schemeClr>
+          </a:lnRef>
+          <a:fillRef idx="1">
+            <a:schemeClr val="accent1"/>
+          </a:fillRef>
+          <a:effectRef idx="0">
+            <a:schemeClr val="accent1"/>
+          </a:effectRef>
+          <a:fontRef idx="minor">
+            <a:schemeClr val="lt1"/>
+          </a:fontRef>
+        </p:style>
+        <p:txBody>
+          <a:bodyPr rtlCol="0" anchor="ctr"/>
+          <a:lstStyle/>
+          <a:p>
+            <a:pPr algn="ctr"/>
+            <a:r>
+              <a:rPr lang="en-US" altLang="ko-KR" dirty="0" err="1">
+                <a:solidFill>
+                  <a:schemeClr val="tx1"/>
+                </a:solidFill>
+              </a:rPr>
+              <a:t>Npm</a:t>
+            </a:r>
+            <a:endParaRPr lang="ko-KR" altLang="en-US" dirty="0">
+              <a:solidFill>
+                <a:schemeClr val="tx1"/>
+              </a:solidFill>
+            </a:endParaRPr>
+          </a:p>
+        </p:txBody>
+      </p:sp>
+      <p:sp>
+        <p:nvSpPr>
+          <p:cNvPr id="28" name="구름 27">
+            <a:extLst>
+              <a:ext uri="{FF2B5EF4-FFF2-40B4-BE49-F238E27FC236}">
+                <a16:creationId xmlns:a16="http://schemas.microsoft.com/office/drawing/2014/main" id="{A83ED76F-D1D3-4435-A476-A6C3D2FE564F}"/>
+              </a:ext>
+            </a:extLst>
+          </p:cNvPr>
+          <p:cNvSpPr/>
+          <p:nvPr/>
+        </p:nvSpPr>
+        <p:spPr>
+          <a:xfrm>
+            <a:off x="303779" y="2783535"/>
+            <a:ext cx="1440160" cy="936104"/>
+          </a:xfrm>
+          <a:prstGeom prst="cloud">
+            <a:avLst/>
+          </a:prstGeom>
+          <a:solidFill>
+            <a:schemeClr val="bg1">
+              <a:lumMod val="95000"/>
+            </a:schemeClr>
+          </a:solidFill>
+          <a:ln>
+            <a:solidFill>
+              <a:schemeClr val="tx1"/>
+            </a:solidFill>
+          </a:ln>
+        </p:spPr>
+        <p:style>
+          <a:lnRef idx="2">
+            <a:schemeClr val="accent1">
+              <a:shade val="50000"/>
+            </a:schemeClr>
+          </a:lnRef>
+          <a:fillRef idx="1">
+            <a:schemeClr val="accent1"/>
+          </a:fillRef>
+          <a:effectRef idx="0">
+            <a:schemeClr val="accent1"/>
+          </a:effectRef>
+          <a:fontRef idx="minor">
+            <a:schemeClr val="lt1"/>
+          </a:fontRef>
+        </p:style>
+        <p:txBody>
+          <a:bodyPr rtlCol="0" anchor="ctr"/>
+          <a:lstStyle/>
+          <a:p>
+            <a:pPr algn="ctr"/>
+            <a:r>
+              <a:rPr lang="en-US" altLang="ko-KR" dirty="0" err="1">
+                <a:solidFill>
+                  <a:schemeClr val="tx1"/>
+                </a:solidFill>
+              </a:rPr>
+              <a:t>Npmjs</a:t>
+            </a:r>
+            <a:endParaRPr lang="ko-KR" altLang="en-US" dirty="0">
+              <a:solidFill>
+                <a:schemeClr val="tx1"/>
+              </a:solidFill>
+            </a:endParaRPr>
+          </a:p>
+        </p:txBody>
+      </p:sp>
+      <p:cxnSp>
+        <p:nvCxnSpPr>
+          <p:cNvPr id="30" name="직선 화살표 연결선 29">
+            <a:extLst>
+              <a:ext uri="{FF2B5EF4-FFF2-40B4-BE49-F238E27FC236}">
+                <a16:creationId xmlns:a16="http://schemas.microsoft.com/office/drawing/2014/main" id="{9BE2F1EA-12BC-4B9C-AF0B-C0D8EB9FC6A2}"/>
+              </a:ext>
+            </a:extLst>
+          </p:cNvPr>
+          <p:cNvCxnSpPr>
+            <a:cxnSpLocks/>
+            <a:stCxn id="27" idx="0"/>
+          </p:cNvCxnSpPr>
+          <p:nvPr/>
+        </p:nvCxnSpPr>
+        <p:spPr>
+          <a:xfrm flipH="1">
+            <a:off x="1743939" y="1027113"/>
+            <a:ext cx="18549" cy="1197239"/>
+          </a:xfrm>
+          <a:prstGeom prst="straightConnector1">
+            <a:avLst/>
+          </a:prstGeom>
+          <a:ln>
+            <a:tailEnd type="triangle"/>
+          </a:ln>
+        </p:spPr>
+        <p:style>
+          <a:lnRef idx="1">
+            <a:schemeClr val="accent1"/>
+          </a:lnRef>
+          <a:fillRef idx="0">
+            <a:schemeClr val="accent1"/>
+          </a:fillRef>
+          <a:effectRef idx="0">
+            <a:schemeClr val="accent1"/>
+          </a:effectRef>
+          <a:fontRef idx="minor">
+            <a:schemeClr val="tx1"/>
+          </a:fontRef>
+        </p:style>
+      </p:cxnSp>
+      <p:cxnSp>
+        <p:nvCxnSpPr>
+          <p:cNvPr id="32" name="직선 화살표 연결선 31">
+            <a:extLst>
+              <a:ext uri="{FF2B5EF4-FFF2-40B4-BE49-F238E27FC236}">
+                <a16:creationId xmlns:a16="http://schemas.microsoft.com/office/drawing/2014/main" id="{2C2EDDF7-D699-4FB2-B18C-CEF2BF42AACF}"/>
+              </a:ext>
+            </a:extLst>
+          </p:cNvPr>
+          <p:cNvCxnSpPr>
+            <a:cxnSpLocks/>
+            <a:stCxn id="28" idx="3"/>
+            <a:endCxn id="23" idx="2"/>
+          </p:cNvCxnSpPr>
+          <p:nvPr/>
+        </p:nvCxnSpPr>
+        <p:spPr>
+          <a:xfrm flipV="1">
+            <a:off x="1023859" y="2224352"/>
+            <a:ext cx="748763" cy="612706"/>
+          </a:xfrm>
+          <a:prstGeom prst="straightConnector1">
+            <a:avLst/>
+          </a:prstGeom>
+          <a:ln>
+            <a:tailEnd type="triangle"/>
+          </a:ln>
+        </p:spPr>
+        <p:style>
+          <a:lnRef idx="1">
+            <a:schemeClr val="accent1"/>
+          </a:lnRef>
+          <a:fillRef idx="0">
+            <a:schemeClr val="accent1"/>
+          </a:fillRef>
+          <a:effectRef idx="0">
+            <a:schemeClr val="accent1"/>
+          </a:effectRef>
+          <a:fontRef idx="minor">
+            <a:schemeClr val="tx1"/>
+          </a:fontRef>
+        </p:style>
+      </p:cxnSp>
+      <p:sp>
+        <p:nvSpPr>
+          <p:cNvPr id="41" name="직사각형 40">
+            <a:extLst>
+              <a:ext uri="{FF2B5EF4-FFF2-40B4-BE49-F238E27FC236}">
+                <a16:creationId xmlns:a16="http://schemas.microsoft.com/office/drawing/2014/main" id="{78617F9E-0E6C-4FD7-A24D-185AA15D545E}"/>
+              </a:ext>
+            </a:extLst>
+          </p:cNvPr>
+          <p:cNvSpPr/>
+          <p:nvPr/>
+        </p:nvSpPr>
+        <p:spPr>
+          <a:xfrm>
+            <a:off x="6186592" y="3925477"/>
+            <a:ext cx="2392220" cy="980491"/>
+          </a:xfrm>
+          <a:prstGeom prst="rect">
+            <a:avLst/>
+          </a:prstGeom>
+          <a:solidFill>
+            <a:schemeClr val="bg1"/>
+          </a:solidFill>
+          <a:ln>
+            <a:solidFill>
+              <a:schemeClr val="tx1"/>
+            </a:solidFill>
+          </a:ln>
+        </p:spPr>
+        <p:style>
+          <a:lnRef idx="2">
+            <a:schemeClr val="accent1">
+              <a:shade val="50000"/>
+            </a:schemeClr>
+          </a:lnRef>
+          <a:fillRef idx="1">
+            <a:schemeClr val="accent1"/>
+          </a:fillRef>
+          <a:effectRef idx="0">
+            <a:schemeClr val="accent1"/>
+          </a:effectRef>
+          <a:fontRef idx="minor">
+            <a:schemeClr val="lt1"/>
+          </a:fontRef>
+        </p:style>
+        <p:txBody>
+          <a:bodyPr rtlCol="0" anchor="ctr"/>
+          <a:lstStyle/>
+          <a:p>
+            <a:pPr algn="ctr"/>
+            <a:r>
+              <a:rPr lang="en-US" altLang="ko-KR" dirty="0">
+                <a:solidFill>
+                  <a:schemeClr val="tx1"/>
+                </a:solidFill>
+              </a:rPr>
+              <a:t>Maven</a:t>
+            </a:r>
+          </a:p>
+          <a:p>
+            <a:pPr algn="ctr"/>
+            <a:r>
+              <a:rPr lang="en-US" altLang="ko-KR" dirty="0">
+                <a:solidFill>
+                  <a:schemeClr val="tx1"/>
+                </a:solidFill>
+              </a:rPr>
+              <a:t>Pom.xml</a:t>
+            </a:r>
+          </a:p>
+          <a:p>
+            <a:pPr algn="ctr"/>
+            <a:r>
+              <a:rPr lang="en-US" altLang="ko-KR" dirty="0">
+                <a:solidFill>
+                  <a:schemeClr val="tx1"/>
+                </a:solidFill>
+              </a:rPr>
+              <a:t>jar</a:t>
+            </a:r>
+          </a:p>
+        </p:txBody>
+      </p:sp>
+      <p:sp>
+        <p:nvSpPr>
+          <p:cNvPr id="42" name="구름 41">
+            <a:extLst>
+              <a:ext uri="{FF2B5EF4-FFF2-40B4-BE49-F238E27FC236}">
+                <a16:creationId xmlns:a16="http://schemas.microsoft.com/office/drawing/2014/main" id="{A3A62B31-4169-4C7C-9E99-E3DF851F96D0}"/>
+              </a:ext>
+            </a:extLst>
+          </p:cNvPr>
+          <p:cNvSpPr/>
+          <p:nvPr/>
+        </p:nvSpPr>
+        <p:spPr>
+          <a:xfrm>
+            <a:off x="2931773" y="3854276"/>
+            <a:ext cx="2032180" cy="1051692"/>
+          </a:xfrm>
+          <a:prstGeom prst="cloud">
+            <a:avLst/>
+          </a:prstGeom>
+          <a:solidFill>
+            <a:schemeClr val="bg1">
+              <a:lumMod val="95000"/>
+            </a:schemeClr>
+          </a:solidFill>
+          <a:ln>
+            <a:solidFill>
+              <a:schemeClr val="tx1"/>
+            </a:solidFill>
+          </a:ln>
+        </p:spPr>
+        <p:style>
+          <a:lnRef idx="2">
+            <a:schemeClr val="accent1">
+              <a:shade val="50000"/>
+            </a:schemeClr>
+          </a:lnRef>
+          <a:fillRef idx="1">
+            <a:schemeClr val="accent1"/>
+          </a:fillRef>
+          <a:effectRef idx="0">
+            <a:schemeClr val="accent1"/>
+          </a:effectRef>
+          <a:fontRef idx="minor">
+            <a:schemeClr val="lt1"/>
+          </a:fontRef>
+        </p:style>
+        <p:txBody>
+          <a:bodyPr rtlCol="0" anchor="ctr"/>
+          <a:lstStyle/>
+          <a:p>
+            <a:pPr algn="ctr"/>
+            <a:r>
+              <a:rPr lang="en-US" altLang="ko-KR" dirty="0">
+                <a:solidFill>
+                  <a:schemeClr val="tx1"/>
+                </a:solidFill>
+              </a:rPr>
+              <a:t>Nexus</a:t>
+            </a:r>
+          </a:p>
+          <a:p>
+            <a:pPr algn="ctr"/>
+            <a:r>
+              <a:rPr lang="en-US" altLang="ko-KR" dirty="0">
+                <a:solidFill>
+                  <a:schemeClr val="tx1"/>
+                </a:solidFill>
+              </a:rPr>
+              <a:t>Id / pw</a:t>
+            </a:r>
+          </a:p>
+          <a:p>
+            <a:pPr algn="ctr"/>
+            <a:r>
+              <a:rPr lang="ko-KR" altLang="en-US" dirty="0">
+                <a:solidFill>
+                  <a:schemeClr val="tx1"/>
+                </a:solidFill>
+              </a:rPr>
+              <a:t>유료화</a:t>
+            </a:r>
+          </a:p>
+        </p:txBody>
+      </p:sp>
+      <p:cxnSp>
+        <p:nvCxnSpPr>
+          <p:cNvPr id="44" name="직선 화살표 연결선 43">
+            <a:extLst>
+              <a:ext uri="{FF2B5EF4-FFF2-40B4-BE49-F238E27FC236}">
+                <a16:creationId xmlns:a16="http://schemas.microsoft.com/office/drawing/2014/main" id="{4CDAC8C8-B117-40C8-9FA9-3677DAB984EF}"/>
+              </a:ext>
+            </a:extLst>
+          </p:cNvPr>
+          <p:cNvCxnSpPr>
+            <a:cxnSpLocks/>
+            <a:stCxn id="41" idx="1"/>
+            <a:endCxn id="42" idx="0"/>
+          </p:cNvCxnSpPr>
+          <p:nvPr/>
+        </p:nvCxnSpPr>
+        <p:spPr>
+          <a:xfrm flipH="1" flipV="1">
+            <a:off x="4962260" y="4380122"/>
+            <a:ext cx="1224332" cy="35601"/>
+          </a:xfrm>
+          <a:prstGeom prst="straightConnector1">
+            <a:avLst/>
+          </a:prstGeom>
+          <a:ln>
+            <a:tailEnd type="triangle"/>
+          </a:ln>
+        </p:spPr>
+        <p:style>
+          <a:lnRef idx="1">
+            <a:schemeClr val="accent1"/>
+          </a:lnRef>
+          <a:fillRef idx="0">
+            <a:schemeClr val="accent1"/>
+          </a:fillRef>
+          <a:effectRef idx="0">
+            <a:schemeClr val="accent1"/>
+          </a:effectRef>
+          <a:fontRef idx="minor">
+            <a:schemeClr val="tx1"/>
+          </a:fontRef>
+        </p:style>
+      </p:cxnSp>
+      <p:sp>
+        <p:nvSpPr>
+          <p:cNvPr id="52" name="구름 51">
+            <a:extLst>
+              <a:ext uri="{FF2B5EF4-FFF2-40B4-BE49-F238E27FC236}">
+                <a16:creationId xmlns:a16="http://schemas.microsoft.com/office/drawing/2014/main" id="{9EFA7654-0C46-4BD5-908E-F081CAA8129A}"/>
+              </a:ext>
+            </a:extLst>
+          </p:cNvPr>
+          <p:cNvSpPr/>
+          <p:nvPr/>
+        </p:nvSpPr>
+        <p:spPr>
+          <a:xfrm>
+            <a:off x="541525" y="4441103"/>
+            <a:ext cx="2032180" cy="1051692"/>
+          </a:xfrm>
+          <a:prstGeom prst="cloud">
+            <a:avLst/>
+          </a:prstGeom>
+          <a:solidFill>
+            <a:schemeClr val="bg1">
+              <a:lumMod val="95000"/>
+            </a:schemeClr>
+          </a:solidFill>
+          <a:ln>
+            <a:solidFill>
+              <a:schemeClr val="tx1"/>
+            </a:solidFill>
+          </a:ln>
+        </p:spPr>
+        <p:style>
+          <a:lnRef idx="2">
+            <a:schemeClr val="accent1">
+              <a:shade val="50000"/>
+            </a:schemeClr>
+          </a:lnRef>
+          <a:fillRef idx="1">
+            <a:schemeClr val="accent1"/>
+          </a:fillRef>
+          <a:effectRef idx="0">
+            <a:schemeClr val="accent1"/>
+          </a:effectRef>
+          <a:fontRef idx="minor">
+            <a:schemeClr val="lt1"/>
+          </a:fontRef>
+        </p:style>
+        <p:txBody>
+          <a:bodyPr rtlCol="0" anchor="ctr"/>
+          <a:lstStyle/>
+          <a:p>
+            <a:pPr algn="ctr"/>
+            <a:r>
+              <a:rPr lang="en-US" altLang="ko-KR" dirty="0">
+                <a:solidFill>
+                  <a:schemeClr val="tx1"/>
+                </a:solidFill>
+              </a:rPr>
+              <a:t>Maven repository</a:t>
+            </a:r>
+            <a:endParaRPr lang="ko-KR" altLang="en-US" dirty="0">
+              <a:solidFill>
+                <a:schemeClr val="tx1"/>
+              </a:solidFill>
+            </a:endParaRPr>
+          </a:p>
+        </p:txBody>
+      </p:sp>
+      <p:cxnSp>
+        <p:nvCxnSpPr>
+          <p:cNvPr id="53" name="직선 화살표 연결선 52">
+            <a:extLst>
+              <a:ext uri="{FF2B5EF4-FFF2-40B4-BE49-F238E27FC236}">
+                <a16:creationId xmlns:a16="http://schemas.microsoft.com/office/drawing/2014/main" id="{802BDBC6-742E-4A13-BF87-0352B78C9BA4}"/>
+              </a:ext>
+            </a:extLst>
+          </p:cNvPr>
+          <p:cNvCxnSpPr>
+            <a:cxnSpLocks/>
+            <a:stCxn id="41" idx="1"/>
+            <a:endCxn id="52" idx="0"/>
+          </p:cNvCxnSpPr>
+          <p:nvPr/>
+        </p:nvCxnSpPr>
+        <p:spPr>
+          <a:xfrm flipH="1">
+            <a:off x="2572012" y="4415723"/>
+            <a:ext cx="3614580" cy="551226"/>
+          </a:xfrm>
+          <a:prstGeom prst="straightConnector1">
+            <a:avLst/>
+          </a:prstGeom>
+          <a:ln>
+            <a:tailEnd type="triangle"/>
+          </a:ln>
+        </p:spPr>
+        <p:style>
+          <a:lnRef idx="1">
+            <a:schemeClr val="accent1"/>
+          </a:lnRef>
+          <a:fillRef idx="0">
+            <a:schemeClr val="accent1"/>
+          </a:fillRef>
+          <a:effectRef idx="0">
+            <a:schemeClr val="accent1"/>
+          </a:effectRef>
+          <a:fontRef idx="minor">
+            <a:schemeClr val="tx1"/>
+          </a:fontRef>
+        </p:style>
+      </p:cxnSp>
+      <p:sp>
+        <p:nvSpPr>
+          <p:cNvPr id="57" name="구름 56">
+            <a:extLst>
+              <a:ext uri="{FF2B5EF4-FFF2-40B4-BE49-F238E27FC236}">
+                <a16:creationId xmlns:a16="http://schemas.microsoft.com/office/drawing/2014/main" id="{82DC82AF-D3DA-4672-9749-5ADF2EEC1443}"/>
+              </a:ext>
+            </a:extLst>
+          </p:cNvPr>
+          <p:cNvSpPr/>
+          <p:nvPr/>
+        </p:nvSpPr>
+        <p:spPr>
+          <a:xfrm>
+            <a:off x="2751892" y="5075766"/>
+            <a:ext cx="2032180" cy="1051692"/>
+          </a:xfrm>
+          <a:prstGeom prst="cloud">
+            <a:avLst/>
+          </a:prstGeom>
+          <a:solidFill>
+            <a:schemeClr val="bg1">
+              <a:lumMod val="95000"/>
+            </a:schemeClr>
+          </a:solidFill>
+          <a:ln>
+            <a:solidFill>
+              <a:schemeClr val="tx1"/>
+            </a:solidFill>
+          </a:ln>
+        </p:spPr>
+        <p:style>
+          <a:lnRef idx="2">
+            <a:schemeClr val="accent1">
+              <a:shade val="50000"/>
+            </a:schemeClr>
+          </a:lnRef>
+          <a:fillRef idx="1">
+            <a:schemeClr val="accent1"/>
+          </a:fillRef>
+          <a:effectRef idx="0">
+            <a:schemeClr val="accent1"/>
+          </a:effectRef>
+          <a:fontRef idx="minor">
+            <a:schemeClr val="lt1"/>
+          </a:fontRef>
+        </p:style>
+        <p:txBody>
+          <a:bodyPr rtlCol="0" anchor="ctr"/>
+          <a:lstStyle/>
+          <a:p>
+            <a:pPr algn="ctr"/>
+            <a:r>
+              <a:rPr lang="en-US" altLang="ko-KR" dirty="0">
+                <a:solidFill>
+                  <a:schemeClr val="tx1"/>
+                </a:solidFill>
+              </a:rPr>
+              <a:t>Apache repository</a:t>
+            </a:r>
+            <a:endParaRPr lang="ko-KR" altLang="en-US" dirty="0">
+              <a:solidFill>
+                <a:schemeClr val="tx1"/>
+              </a:solidFill>
+            </a:endParaRPr>
+          </a:p>
+        </p:txBody>
+      </p:sp>
+      <p:cxnSp>
+        <p:nvCxnSpPr>
+          <p:cNvPr id="58" name="직선 화살표 연결선 57">
+            <a:extLst>
+              <a:ext uri="{FF2B5EF4-FFF2-40B4-BE49-F238E27FC236}">
+                <a16:creationId xmlns:a16="http://schemas.microsoft.com/office/drawing/2014/main" id="{F399873A-1D7A-4C22-9804-F03857252B58}"/>
+              </a:ext>
+            </a:extLst>
+          </p:cNvPr>
+          <p:cNvCxnSpPr>
+            <a:cxnSpLocks/>
+            <a:stCxn id="41" idx="1"/>
+            <a:endCxn id="57" idx="0"/>
+          </p:cNvCxnSpPr>
+          <p:nvPr/>
+        </p:nvCxnSpPr>
+        <p:spPr>
+          <a:xfrm flipH="1">
+            <a:off x="4782379" y="4415723"/>
+            <a:ext cx="1404213" cy="1185889"/>
+          </a:xfrm>
+          <a:prstGeom prst="straightConnector1">
+            <a:avLst/>
+          </a:prstGeom>
+          <a:ln>
+            <a:tailEnd type="triangle"/>
+          </a:ln>
+        </p:spPr>
+        <p:style>
+          <a:lnRef idx="1">
+            <a:schemeClr val="accent1"/>
+          </a:lnRef>
+          <a:fillRef idx="0">
+            <a:schemeClr val="accent1"/>
+          </a:fillRef>
+          <a:effectRef idx="0">
+            <a:schemeClr val="accent1"/>
+          </a:effectRef>
+          <a:fontRef idx="minor">
+            <a:schemeClr val="tx1"/>
+          </a:fontRef>
+        </p:style>
+      </p:cxnSp>
+      <p:sp>
+        <p:nvSpPr>
+          <p:cNvPr id="64" name="직사각형 63">
+            <a:extLst>
+              <a:ext uri="{FF2B5EF4-FFF2-40B4-BE49-F238E27FC236}">
+                <a16:creationId xmlns:a16="http://schemas.microsoft.com/office/drawing/2014/main" id="{29184C97-D483-40B5-AB7C-CFA05A2D55AC}"/>
+              </a:ext>
+            </a:extLst>
+          </p:cNvPr>
+          <p:cNvSpPr/>
+          <p:nvPr/>
+        </p:nvSpPr>
+        <p:spPr>
+          <a:xfrm>
+            <a:off x="6210255" y="5064406"/>
+            <a:ext cx="2392220" cy="980491"/>
+          </a:xfrm>
+          <a:prstGeom prst="rect">
+            <a:avLst/>
+          </a:prstGeom>
+          <a:solidFill>
+            <a:schemeClr val="bg1"/>
+          </a:solidFill>
+          <a:ln>
+            <a:solidFill>
+              <a:schemeClr val="tx1"/>
+            </a:solidFill>
+          </a:ln>
+        </p:spPr>
+        <p:style>
+          <a:lnRef idx="2">
+            <a:schemeClr val="accent1">
+              <a:shade val="50000"/>
+            </a:schemeClr>
+          </a:lnRef>
+          <a:fillRef idx="1">
+            <a:schemeClr val="accent1"/>
+          </a:fillRef>
+          <a:effectRef idx="0">
+            <a:schemeClr val="accent1"/>
+          </a:effectRef>
+          <a:fontRef idx="minor">
+            <a:schemeClr val="lt1"/>
+          </a:fontRef>
+        </p:style>
+        <p:txBody>
+          <a:bodyPr rtlCol="0" anchor="ctr"/>
+          <a:lstStyle/>
+          <a:p>
+            <a:pPr algn="ctr"/>
+            <a:r>
+              <a:rPr lang="en-US" altLang="ko-KR" dirty="0">
+                <a:solidFill>
+                  <a:schemeClr val="tx1"/>
+                </a:solidFill>
+              </a:rPr>
+              <a:t>Gradle</a:t>
+            </a:r>
+          </a:p>
+          <a:p>
+            <a:pPr algn="ctr"/>
+            <a:r>
+              <a:rPr lang="en-US" altLang="ko-KR" dirty="0">
+                <a:solidFill>
+                  <a:schemeClr val="tx1"/>
+                </a:solidFill>
+              </a:rPr>
+              <a:t>class</a:t>
+            </a:r>
+          </a:p>
+          <a:p>
+            <a:pPr algn="ctr"/>
+            <a:r>
+              <a:rPr lang="en-US" altLang="ko-KR" dirty="0">
+                <a:solidFill>
+                  <a:schemeClr val="tx1"/>
+                </a:solidFill>
+              </a:rPr>
+              <a:t>10</a:t>
+            </a:r>
+          </a:p>
+        </p:txBody>
+      </p:sp>
+    </p:spTree>
+    <p:extLst>
+      <p:ext uri="{BB962C8B-B14F-4D97-AF65-F5344CB8AC3E}">
+        <p14:creationId xmlns:p14="http://schemas.microsoft.com/office/powerpoint/2010/main" val="3775546741"/>
+      </p:ext>
+    </p:extLst>
+  </p:cSld>
+  <p:clrMapOvr>
+    <a:masterClrMapping/>
+  </p:clrMapOvr>
+</p:sld>
+</file>
+
+<file path=ppt/slides/slide13.xml><?xml version="1.0" encoding="utf-8"?>
+<p:sld xmlns:a="http://schemas.openxmlformats.org/drawingml/2006/main" xmlns:r="http://schemas.openxmlformats.org/officeDocument/2006/relationships" xmlns:p="http://schemas.openxmlformats.org/presentationml/2006/main">
+  <p:cSld>
+    <p:spTree>
+      <p:nvGrpSpPr>
+        <p:cNvPr id="1" name=""/>
+        <p:cNvGrpSpPr/>
+        <p:nvPr/>
+      </p:nvGrpSpPr>
+      <p:grpSpPr>
+        <a:xfrm>
+          <a:off x="0" y="0"/>
+          <a:ext cx="0" cy="0"/>
+          <a:chOff x="0" y="0"/>
+          <a:chExt cx="0" cy="0"/>
+        </a:xfrm>
+      </p:grpSpPr>
+      <p:sp>
+        <p:nvSpPr>
+          <p:cNvPr id="3" name="내용 개체 틀 2">
+            <a:extLst>
+              <a:ext uri="{FF2B5EF4-FFF2-40B4-BE49-F238E27FC236}">
+                <a16:creationId xmlns:a16="http://schemas.microsoft.com/office/drawing/2014/main" id="{872C11FA-0D83-479B-8731-5BFD5756C44B}"/>
+              </a:ext>
+            </a:extLst>
+          </p:cNvPr>
+          <p:cNvSpPr>
+            <a:spLocks noGrp="1"/>
+          </p:cNvSpPr>
+          <p:nvPr>
+            <p:ph idx="1"/>
+          </p:nvPr>
+        </p:nvSpPr>
+        <p:spPr>
+          <a:xfrm>
+            <a:off x="457200" y="332656"/>
+            <a:ext cx="8229600" cy="5793507"/>
+          </a:xfrm>
+        </p:spPr>
+        <p:txBody>
+          <a:bodyPr>
+            <a:normAutofit fontScale="70000" lnSpcReduction="20000"/>
+          </a:bodyPr>
+          <a:lstStyle/>
+          <a:p>
+            <a:pPr marL="0" indent="0">
+              <a:buNone/>
+            </a:pPr>
+            <a:r>
+              <a:rPr lang="ko-KR" altLang="en-US" dirty="0"/>
+              <a:t>김남 </a:t>
+            </a:r>
+            <a:r>
+              <a:rPr lang="en-US" altLang="ko-KR" dirty="0"/>
+              <a:t>11</a:t>
+            </a:r>
+            <a:r>
+              <a:rPr lang="ko-KR" altLang="en-US" dirty="0" err="1"/>
+              <a:t>년차</a:t>
+            </a:r>
+            <a:endParaRPr lang="en-US" altLang="ko-KR" dirty="0"/>
+          </a:p>
+          <a:p>
+            <a:pPr marL="0" indent="0">
+              <a:buNone/>
+            </a:pPr>
+            <a:r>
+              <a:rPr lang="ko-KR" altLang="en-US" dirty="0"/>
+              <a:t>주력언어 </a:t>
+            </a:r>
+            <a:r>
+              <a:rPr lang="en-US" altLang="ko-KR" dirty="0"/>
+              <a:t>java, python </a:t>
+            </a:r>
+          </a:p>
+          <a:p>
+            <a:pPr marL="0" indent="0">
+              <a:buNone/>
+            </a:pPr>
+            <a:r>
+              <a:rPr lang="en-US" altLang="ko-KR" dirty="0"/>
+              <a:t>( Application Architecture )</a:t>
+            </a:r>
+          </a:p>
+          <a:p>
+            <a:pPr marL="0" indent="0">
+              <a:buNone/>
+            </a:pPr>
+            <a:endParaRPr lang="en-US" altLang="ko-KR" dirty="0"/>
+          </a:p>
+          <a:p>
+            <a:pPr marL="0" indent="0">
+              <a:buNone/>
+            </a:pPr>
+            <a:r>
+              <a:rPr lang="ko-KR" altLang="en-US" dirty="0" err="1"/>
+              <a:t>이다미</a:t>
+            </a:r>
+            <a:r>
+              <a:rPr lang="ko-KR" altLang="en-US" dirty="0"/>
+              <a:t> 신입</a:t>
+            </a:r>
+            <a:endParaRPr lang="en-US" altLang="ko-KR" dirty="0"/>
+          </a:p>
+          <a:p>
+            <a:pPr marL="0" indent="0">
+              <a:buNone/>
+            </a:pPr>
+            <a:r>
+              <a:rPr lang="en-US" altLang="ko-KR" dirty="0" err="1"/>
+              <a:t>FrontEnd</a:t>
+            </a:r>
+            <a:r>
+              <a:rPr lang="en-US" altLang="ko-KR" dirty="0"/>
+              <a:t> , Backend Server</a:t>
+            </a:r>
+          </a:p>
+          <a:p>
+            <a:pPr marL="0" indent="0">
+              <a:buNone/>
+            </a:pPr>
+            <a:r>
+              <a:rPr lang="ko-KR" altLang="en-US" dirty="0"/>
+              <a:t>학교에서 웹 </a:t>
+            </a:r>
+            <a:r>
+              <a:rPr lang="en-US" altLang="ko-KR" dirty="0"/>
+              <a:t>Spring STS IDE</a:t>
+            </a:r>
+            <a:r>
+              <a:rPr lang="ko-KR" altLang="en-US" dirty="0"/>
+              <a:t>로 해봄</a:t>
+            </a:r>
+            <a:endParaRPr lang="en-US" altLang="ko-KR" dirty="0"/>
+          </a:p>
+          <a:p>
+            <a:pPr marL="0" indent="0">
+              <a:buNone/>
+            </a:pPr>
+            <a:r>
+              <a:rPr lang="en-US" altLang="ko-KR" dirty="0"/>
+              <a:t>MVC </a:t>
+            </a:r>
+            <a:r>
+              <a:rPr lang="ko-KR" altLang="en-US" dirty="0"/>
+              <a:t>패턴 </a:t>
+            </a:r>
+            <a:r>
+              <a:rPr lang="ko-KR" altLang="en-US" dirty="0" err="1"/>
+              <a:t>사용해봄</a:t>
+            </a:r>
+            <a:endParaRPr lang="en-US" altLang="ko-KR" dirty="0"/>
+          </a:p>
+          <a:p>
+            <a:pPr marL="0" indent="0">
+              <a:buNone/>
+            </a:pPr>
+            <a:r>
+              <a:rPr lang="ko-KR" altLang="en-US" dirty="0" err="1"/>
+              <a:t>어노테이션</a:t>
+            </a:r>
+            <a:r>
+              <a:rPr lang="ko-KR" altLang="en-US" dirty="0"/>
+              <a:t> </a:t>
+            </a:r>
+            <a:r>
+              <a:rPr lang="en-US" altLang="ko-KR" dirty="0"/>
+              <a:t>@Controller @Service @Repository</a:t>
+            </a:r>
+          </a:p>
+          <a:p>
+            <a:pPr marL="0" indent="0">
+              <a:buNone/>
+            </a:pPr>
+            <a:r>
+              <a:rPr lang="en-US" altLang="ko-KR" dirty="0" err="1"/>
+              <a:t>Mybatis</a:t>
+            </a:r>
+            <a:r>
+              <a:rPr lang="ko-KR" altLang="en-US" dirty="0"/>
+              <a:t>로 해봄</a:t>
+            </a:r>
+            <a:endParaRPr lang="en-US" altLang="ko-KR" dirty="0"/>
+          </a:p>
+          <a:p>
+            <a:pPr marL="0" indent="0">
+              <a:buNone/>
+            </a:pPr>
+            <a:r>
+              <a:rPr lang="en-US" altLang="ko-KR" dirty="0"/>
+              <a:t>Json data type</a:t>
+            </a:r>
+          </a:p>
+          <a:p>
+            <a:pPr marL="0" indent="0">
+              <a:buNone/>
+            </a:pPr>
+            <a:r>
+              <a:rPr lang="en-US" altLang="ko-KR" dirty="0"/>
+              <a:t>react </a:t>
+            </a:r>
+            <a:r>
+              <a:rPr lang="ko-KR" altLang="en-US" dirty="0"/>
+              <a:t>해봄 </a:t>
+            </a:r>
+            <a:r>
+              <a:rPr lang="en-US" altLang="ko-KR" dirty="0"/>
+              <a:t>node</a:t>
+            </a:r>
+            <a:r>
+              <a:rPr lang="ko-KR" altLang="en-US" dirty="0"/>
+              <a:t>는 해보지 않았음</a:t>
+            </a:r>
+            <a:r>
+              <a:rPr lang="en-US" altLang="ko-KR" dirty="0"/>
+              <a:t>?</a:t>
+            </a:r>
+          </a:p>
+          <a:p>
+            <a:pPr marL="0" indent="0">
+              <a:buNone/>
+            </a:pPr>
+            <a:r>
+              <a:rPr lang="en-US" altLang="ko-KR" dirty="0"/>
+              <a:t>node </a:t>
+            </a:r>
+            <a:r>
+              <a:rPr lang="en-US" altLang="ko-KR" dirty="0" err="1"/>
+              <a:t>npm</a:t>
+            </a:r>
+            <a:endParaRPr lang="en-US" altLang="ko-KR" dirty="0"/>
+          </a:p>
+          <a:p>
+            <a:pPr marL="0" indent="0">
+              <a:buNone/>
+            </a:pPr>
+            <a:endParaRPr lang="en-US" altLang="ko-KR" dirty="0"/>
+          </a:p>
+          <a:p>
+            <a:pPr marL="0" indent="0">
+              <a:buNone/>
+            </a:pPr>
+            <a:r>
+              <a:rPr lang="ko-KR" altLang="en-US" dirty="0" err="1"/>
+              <a:t>성범수</a:t>
+            </a:r>
+            <a:r>
+              <a:rPr lang="ko-KR" altLang="en-US" dirty="0"/>
+              <a:t> </a:t>
+            </a:r>
+            <a:r>
+              <a:rPr lang="en-US" altLang="ko-KR" dirty="0"/>
+              <a:t>5</a:t>
+            </a:r>
+            <a:r>
+              <a:rPr lang="ko-KR" altLang="en-US" dirty="0" err="1"/>
+              <a:t>년차</a:t>
+            </a:r>
+            <a:endParaRPr lang="en-US" altLang="ko-KR" dirty="0"/>
+          </a:p>
+          <a:p>
+            <a:pPr marL="0" indent="0">
+              <a:buNone/>
+            </a:pPr>
+            <a:r>
+              <a:rPr lang="ko-KR" altLang="en-US" dirty="0"/>
+              <a:t>주력언어 </a:t>
+            </a:r>
+            <a:r>
+              <a:rPr lang="en-US" altLang="ko-KR" dirty="0"/>
+              <a:t>java, </a:t>
+            </a:r>
+            <a:r>
+              <a:rPr lang="en-US" altLang="ko-KR" dirty="0" err="1"/>
+              <a:t>javascript</a:t>
+            </a:r>
+            <a:endParaRPr lang="en-US" altLang="ko-KR" dirty="0"/>
+          </a:p>
+        </p:txBody>
+      </p:sp>
+    </p:spTree>
+    <p:extLst>
+      <p:ext uri="{BB962C8B-B14F-4D97-AF65-F5344CB8AC3E}">
+        <p14:creationId xmlns:p14="http://schemas.microsoft.com/office/powerpoint/2010/main" val="3824090778"/>
       </p:ext>
     </p:extLst>
   </p:cSld>
@@ -13417,6 +14812,25 @@
           <a:lstStyle/>
           <a:p>
             <a:pPr algn="ctr"/>
+            <a:r>
+              <a:rPr lang="en-US" altLang="ko-KR" sz="1200" dirty="0">
+                <a:solidFill>
+                  <a:schemeClr val="tx1"/>
+                </a:solidFill>
+              </a:rPr>
+              <a:t>A</a:t>
+            </a:r>
+          </a:p>
+          <a:p>
+            <a:pPr algn="ctr"/>
+            <a:r>
+              <a:rPr lang="en-US" altLang="ko-KR" sz="1200" dirty="0">
+                <a:solidFill>
+                  <a:schemeClr val="tx1"/>
+                </a:solidFill>
+              </a:rPr>
+              <a:t>0.1</a:t>
+            </a:r>
             <a:endParaRPr lang="ko-KR" altLang="en-US" sz="1200" dirty="0">
               <a:solidFill>
                 <a:schemeClr val="tx1"/>
@@ -13543,6 +14957,25 @@
           <a:lstStyle/>
           <a:p>
             <a:pPr algn="ctr"/>
+            <a:r>
+              <a:rPr lang="en-US" altLang="ko-KR" sz="1200" dirty="0">
+                <a:solidFill>
+                  <a:schemeClr val="tx1"/>
+                </a:solidFill>
+              </a:rPr>
+              <a:t>B</a:t>
+            </a:r>
+          </a:p>
+          <a:p>
+            <a:pPr algn="ctr"/>
+            <a:r>
+              <a:rPr lang="en-US" altLang="ko-KR" sz="1200" dirty="0">
+                <a:solidFill>
+                  <a:schemeClr val="tx1"/>
+                </a:solidFill>
+              </a:rPr>
+              <a:t>30</a:t>
+            </a:r>
             <a:endParaRPr lang="ko-KR" altLang="en-US" sz="1200" dirty="0">
               <a:solidFill>
                 <a:schemeClr val="tx1"/>
@@ -13598,6 +15031,25 @@
           <a:lstStyle/>
           <a:p>
             <a:pPr algn="ctr"/>
+            <a:r>
+              <a:rPr lang="en-US" altLang="ko-KR" sz="1200" dirty="0">
+                <a:solidFill>
+                  <a:schemeClr val="tx1"/>
+                </a:solidFill>
+              </a:rPr>
+              <a:t>C</a:t>
+            </a:r>
+          </a:p>
+          <a:p>
+            <a:pPr algn="ctr"/>
+            <a:r>
+              <a:rPr lang="en-US" altLang="ko-KR" sz="1200" dirty="0">
+                <a:solidFill>
+                  <a:schemeClr val="tx1"/>
+                </a:solidFill>
+              </a:rPr>
+              <a:t>0.1</a:t>
+            </a:r>
             <a:endParaRPr lang="ko-KR" altLang="en-US" sz="1200" dirty="0">
               <a:solidFill>
                 <a:schemeClr val="tx1"/>
@@ -13653,6 +15105,25 @@
           <a:lstStyle/>
           <a:p>
             <a:pPr algn="ctr"/>
+            <a:r>
+              <a:rPr lang="en-US" altLang="ko-KR" sz="1200" dirty="0">
+                <a:solidFill>
+                  <a:schemeClr val="tx1"/>
+                </a:solidFill>
+              </a:rPr>
+              <a:t>D</a:t>
+            </a:r>
+          </a:p>
+          <a:p>
+            <a:pPr algn="ctr"/>
+            <a:r>
+              <a:rPr lang="en-US" altLang="ko-KR" sz="1200" dirty="0">
+                <a:solidFill>
+                  <a:schemeClr val="tx1"/>
+                </a:solidFill>
+              </a:rPr>
+              <a:t>5</a:t>
+            </a:r>
             <a:endParaRPr lang="ko-KR" altLang="en-US" sz="1200" dirty="0">
               <a:solidFill>
                 <a:schemeClr val="tx1"/>
@@ -13708,11 +15179,25 @@
           <a:lstStyle/>
           <a:p>
             <a:pPr algn="ctr"/>
-            <a:endParaRPr lang="ko-KR" altLang="en-US" sz="1200" dirty="0">
-              <a:solidFill>
-                <a:schemeClr val="tx1"/>
-              </a:solidFill>
-            </a:endParaRPr>
+            <a:r>
+              <a:rPr lang="en-US" altLang="ko-KR" sz="1200" dirty="0">
+                <a:solidFill>
+                  <a:schemeClr val="tx1"/>
+                </a:solidFill>
+              </a:rPr>
+              <a:t>B</a:t>
+            </a:r>
+          </a:p>
+          <a:p>
+            <a:pPr algn="ctr"/>
+            <a:r>
+              <a:rPr lang="en-US" altLang="ko-KR" sz="1200" dirty="0">
+                <a:solidFill>
+                  <a:schemeClr val="tx1"/>
+                </a:solidFill>
+              </a:rPr>
+              <a:t>5.5+</a:t>
+            </a:r>
           </a:p>
         </p:txBody>
       </p:sp>
